--- a/PPT.pptx
+++ b/PPT.pptx
@@ -5,14 +5,14 @@
     <p:sldMasterId id="2147483672" r:id="rId1"/>
   </p:sldMasterIdLst>
   <p:notesMasterIdLst>
-    <p:notesMasterId r:id="rId24"/>
+    <p:notesMasterId r:id="rId23"/>
   </p:notesMasterIdLst>
   <p:sldIdLst>
     <p:sldId id="256" r:id="rId2"/>
     <p:sldId id="266" r:id="rId3"/>
     <p:sldId id="267" r:id="rId4"/>
-    <p:sldId id="263" r:id="rId5"/>
-    <p:sldId id="261" r:id="rId6"/>
+    <p:sldId id="286" r:id="rId5"/>
+    <p:sldId id="287" r:id="rId6"/>
     <p:sldId id="268" r:id="rId7"/>
     <p:sldId id="269" r:id="rId8"/>
     <p:sldId id="270" r:id="rId9"/>
@@ -28,8 +28,7 @@
     <p:sldId id="281" r:id="rId19"/>
     <p:sldId id="282" r:id="rId20"/>
     <p:sldId id="283" r:id="rId21"/>
-    <p:sldId id="262" r:id="rId22"/>
-    <p:sldId id="278" r:id="rId23"/>
+    <p:sldId id="278" r:id="rId22"/>
   </p:sldIdLst>
   <p:sldSz cx="12192000" cy="6858000"/>
   <p:notesSz cx="6858000" cy="9144000"/>
@@ -129,6 +128,35 @@
     </a:lvl9pPr>
   </p:defaultTextStyle>
   <p:extLst>
+    <p:ext uri="{521415D9-36F7-43E2-AB2F-B90AF26B5E84}">
+      <p14:sectionLst xmlns:p14="http://schemas.microsoft.com/office/powerpoint/2010/main">
+        <p14:section name="Default Section" id="{6859FAF8-97AC-4E1A-8880-1BECAD830438}">
+          <p14:sldIdLst>
+            <p14:sldId id="256"/>
+            <p14:sldId id="266"/>
+            <p14:sldId id="267"/>
+            <p14:sldId id="286"/>
+            <p14:sldId id="287"/>
+            <p14:sldId id="268"/>
+            <p14:sldId id="269"/>
+            <p14:sldId id="270"/>
+            <p14:sldId id="271"/>
+            <p14:sldId id="272"/>
+            <p14:sldId id="273"/>
+            <p14:sldId id="274"/>
+            <p14:sldId id="275"/>
+            <p14:sldId id="276"/>
+            <p14:sldId id="277"/>
+            <p14:sldId id="284"/>
+            <p14:sldId id="280"/>
+            <p14:sldId id="281"/>
+            <p14:sldId id="282"/>
+            <p14:sldId id="283"/>
+            <p14:sldId id="278"/>
+          </p14:sldIdLst>
+        </p14:section>
+      </p14:sectionLst>
+    </p:ext>
     <p:ext uri="{EFAFB233-063F-42B5-8137-9DF3F51BA10A}">
       <p15:sldGuideLst xmlns:p15="http://schemas.microsoft.com/office/powerpoint/2012/main">
         <p15:guide id="1" orient="horz" pos="2160" userDrawn="1">
@@ -7190,10 +7218,10 @@
       </p:sp>
       <p:pic>
         <p:nvPicPr>
-          <p:cNvPr id="5" name="Picture 4">
+          <p:cNvPr id="6" name="Picture 5">
             <a:extLst>
               <a:ext uri="{FF2B5EF4-FFF2-40B4-BE49-F238E27FC236}">
-                <a16:creationId xmlns:a16="http://schemas.microsoft.com/office/drawing/2014/main" id="{F65BA7E3-2E55-4708-97CF-EBB63AD11669}"/>
+                <a16:creationId xmlns:a16="http://schemas.microsoft.com/office/drawing/2014/main" id="{DDC297B4-9950-40CB-928F-9C4C2011CFCA}"/>
               </a:ext>
             </a:extLst>
           </p:cNvPr>
@@ -7216,12 +7244,42 @@
         </p:blipFill>
         <p:spPr>
           <a:xfrm>
-            <a:off x="5761972" y="1416604"/>
-            <a:ext cx="6237961" cy="5441395"/>
+            <a:off x="5316804" y="1962031"/>
+            <a:ext cx="6237961" cy="4024789"/>
           </a:xfrm>
           <a:prstGeom prst="rect">
             <a:avLst/>
           </a:prstGeom>
+          <a:solidFill>
+            <a:srgbClr val="FFFFFF">
+              <a:shade val="85000"/>
+            </a:srgbClr>
+          </a:solidFill>
+          <a:ln w="88900" cap="sq">
+            <a:solidFill>
+              <a:srgbClr val="FFFFFF"/>
+            </a:solidFill>
+            <a:miter lim="800000"/>
+          </a:ln>
+          <a:effectLst>
+            <a:outerShdw blurRad="55000" dist="18000" dir="5400000" algn="tl" rotWithShape="0">
+              <a:srgbClr val="000000">
+                <a:alpha val="40000"/>
+              </a:srgbClr>
+            </a:outerShdw>
+          </a:effectLst>
+          <a:scene3d>
+            <a:camera prst="orthographicFront"/>
+            <a:lightRig rig="twoPt" dir="t">
+              <a:rot lat="0" lon="0" rev="7200000"/>
+            </a:lightRig>
+          </a:scene3d>
+          <a:sp3d>
+            <a:bevelT w="25400" h="19050"/>
+            <a:contourClr>
+              <a:srgbClr val="FFFFFF"/>
+            </a:contourClr>
+          </a:sp3d>
         </p:spPr>
       </p:pic>
     </p:spTree>
@@ -7284,13 +7342,8 @@
             </a:br>
             <a:r>
               <a:rPr lang="en-US" dirty="0"/>
-              <a:t>Men to Women, Survival to Death </a:t>
-            </a:r>
-            <a:r>
-              <a:rPr lang="en-US" dirty="0" err="1"/>
-              <a:t>PRediction</a:t>
-            </a:r>
-            <a:endParaRPr lang="en-US" dirty="0"/>
+              <a:t>Men to Women, Survival to Death Prediction</a:t>
+            </a:r>
           </a:p>
         </p:txBody>
       </p:sp>
@@ -7341,10 +7394,10 @@
       </p:sp>
       <p:pic>
         <p:nvPicPr>
-          <p:cNvPr id="5" name="Picture 4">
+          <p:cNvPr id="6" name="Picture 5">
             <a:extLst>
               <a:ext uri="{FF2B5EF4-FFF2-40B4-BE49-F238E27FC236}">
-                <a16:creationId xmlns:a16="http://schemas.microsoft.com/office/drawing/2014/main" id="{CCF0A642-C345-4D41-9F61-98A9B0A2BF3F}"/>
+                <a16:creationId xmlns:a16="http://schemas.microsoft.com/office/drawing/2014/main" id="{6553D083-19EF-43A7-8A2E-3E3271934ABE}"/>
               </a:ext>
             </a:extLst>
           </p:cNvPr>
@@ -7367,12 +7420,42 @@
         </p:blipFill>
         <p:spPr>
           <a:xfrm>
-            <a:off x="5367126" y="2214694"/>
-            <a:ext cx="6824874" cy="4470630"/>
+            <a:off x="5353878" y="1981989"/>
+            <a:ext cx="6202018" cy="4194313"/>
           </a:xfrm>
           <a:prstGeom prst="rect">
             <a:avLst/>
           </a:prstGeom>
+          <a:solidFill>
+            <a:srgbClr val="FFFFFF">
+              <a:shade val="85000"/>
+            </a:srgbClr>
+          </a:solidFill>
+          <a:ln w="88900" cap="sq">
+            <a:solidFill>
+              <a:srgbClr val="FFFFFF"/>
+            </a:solidFill>
+            <a:miter lim="800000"/>
+          </a:ln>
+          <a:effectLst>
+            <a:outerShdw blurRad="55000" dist="18000" dir="5400000" algn="tl" rotWithShape="0">
+              <a:srgbClr val="000000">
+                <a:alpha val="40000"/>
+              </a:srgbClr>
+            </a:outerShdw>
+          </a:effectLst>
+          <a:scene3d>
+            <a:camera prst="orthographicFront"/>
+            <a:lightRig rig="twoPt" dir="t">
+              <a:rot lat="0" lon="0" rev="7200000"/>
+            </a:lightRig>
+          </a:scene3d>
+          <a:sp3d>
+            <a:bevelT w="25400" h="19050"/>
+            <a:contourClr>
+              <a:srgbClr val="FFFFFF"/>
+            </a:contourClr>
+          </a:sp3d>
         </p:spPr>
       </p:pic>
     </p:spTree>
@@ -7473,29 +7556,29 @@
           <a:p>
             <a:r>
               <a:rPr lang="en-US" dirty="0"/>
-              <a:t>Higher and middle- Orange- 55.11%</a:t>
+              <a:t>Higher (P1)- Orange- 55.11%</a:t>
             </a:r>
           </a:p>
           <a:p>
             <a:r>
               <a:rPr lang="en-US" dirty="0"/>
-              <a:t>Middle- green- 24.24%</a:t>
+              <a:t>Middle (P2)- green- 24.24%</a:t>
             </a:r>
           </a:p>
           <a:p>
             <a:r>
               <a:rPr lang="en-US" dirty="0"/>
-              <a:t>Deck and Bottom-red- 20.65%</a:t>
+              <a:t>Deck and Bottom-red(P3)- 20.65%</a:t>
             </a:r>
           </a:p>
         </p:txBody>
       </p:sp>
       <p:pic>
         <p:nvPicPr>
-          <p:cNvPr id="5" name="Picture 4">
+          <p:cNvPr id="7" name="Picture 6">
             <a:extLst>
               <a:ext uri="{FF2B5EF4-FFF2-40B4-BE49-F238E27FC236}">
-                <a16:creationId xmlns:a16="http://schemas.microsoft.com/office/drawing/2014/main" id="{FAFDCFBC-3DFB-4583-9A9B-4808060CB1B0}"/>
+                <a16:creationId xmlns:a16="http://schemas.microsoft.com/office/drawing/2014/main" id="{C166AA84-F42E-45AC-93B7-81D2BD621710}"/>
               </a:ext>
             </a:extLst>
           </p:cNvPr>
@@ -7518,8 +7601,8 @@
         </p:blipFill>
         <p:spPr>
           <a:xfrm>
-            <a:off x="7265096" y="2214694"/>
-            <a:ext cx="4926903" cy="4161054"/>
+            <a:off x="325631" y="4079147"/>
+            <a:ext cx="6350741" cy="2296602"/>
           </a:xfrm>
           <a:prstGeom prst="rect">
             <a:avLst/>
@@ -7528,10 +7611,10 @@
       </p:pic>
       <p:pic>
         <p:nvPicPr>
-          <p:cNvPr id="7" name="Picture 6">
+          <p:cNvPr id="6" name="Picture 5">
             <a:extLst>
               <a:ext uri="{FF2B5EF4-FFF2-40B4-BE49-F238E27FC236}">
-                <a16:creationId xmlns:a16="http://schemas.microsoft.com/office/drawing/2014/main" id="{C166AA84-F42E-45AC-93B7-81D2BD621710}"/>
+                <a16:creationId xmlns:a16="http://schemas.microsoft.com/office/drawing/2014/main" id="{2FD4EC5A-C79F-4FE4-BB11-1135AD92159E}"/>
               </a:ext>
             </a:extLst>
           </p:cNvPr>
@@ -7554,12 +7637,42 @@
         </p:blipFill>
         <p:spPr>
           <a:xfrm>
-            <a:off x="325631" y="4079147"/>
-            <a:ext cx="6350741" cy="2296602"/>
+            <a:off x="7074032" y="1726179"/>
+            <a:ext cx="4763396" cy="4019345"/>
           </a:xfrm>
           <a:prstGeom prst="rect">
             <a:avLst/>
           </a:prstGeom>
+          <a:solidFill>
+            <a:srgbClr val="FFFFFF">
+              <a:shade val="85000"/>
+            </a:srgbClr>
+          </a:solidFill>
+          <a:ln w="88900" cap="sq">
+            <a:solidFill>
+              <a:srgbClr val="FFFFFF"/>
+            </a:solidFill>
+            <a:miter lim="800000"/>
+          </a:ln>
+          <a:effectLst>
+            <a:outerShdw blurRad="55000" dist="18000" dir="5400000" algn="tl" rotWithShape="0">
+              <a:srgbClr val="000000">
+                <a:alpha val="40000"/>
+              </a:srgbClr>
+            </a:outerShdw>
+          </a:effectLst>
+          <a:scene3d>
+            <a:camera prst="orthographicFront"/>
+            <a:lightRig rig="twoPt" dir="t">
+              <a:rot lat="0" lon="0" rev="7200000"/>
+            </a:lightRig>
+          </a:scene3d>
+          <a:sp3d>
+            <a:bevelT w="25400" h="19050"/>
+            <a:contourClr>
+              <a:srgbClr val="FFFFFF"/>
+            </a:contourClr>
+          </a:sp3d>
         </p:spPr>
       </p:pic>
     </p:spTree>
@@ -7673,10 +7786,10 @@
       </p:sp>
       <p:pic>
         <p:nvPicPr>
-          <p:cNvPr id="5" name="Picture 4">
+          <p:cNvPr id="6" name="Picture 5">
             <a:extLst>
               <a:ext uri="{FF2B5EF4-FFF2-40B4-BE49-F238E27FC236}">
-                <a16:creationId xmlns:a16="http://schemas.microsoft.com/office/drawing/2014/main" id="{34D868E6-E47E-43C9-81E3-AC74FD0467C0}"/>
+                <a16:creationId xmlns:a16="http://schemas.microsoft.com/office/drawing/2014/main" id="{EDA0A251-F090-41B6-B2B7-6EDE6F60B1DE}"/>
               </a:ext>
             </a:extLst>
           </p:cNvPr>
@@ -7699,14 +7812,149 @@
         </p:blipFill>
         <p:spPr>
           <a:xfrm>
-            <a:off x="4052230" y="2037516"/>
-            <a:ext cx="7887105" cy="4083260"/>
+            <a:off x="4005432" y="1938137"/>
+            <a:ext cx="7764134" cy="4698388"/>
           </a:xfrm>
           <a:prstGeom prst="rect">
             <a:avLst/>
           </a:prstGeom>
+          <a:solidFill>
+            <a:srgbClr val="FFFFFF">
+              <a:shade val="85000"/>
+            </a:srgbClr>
+          </a:solidFill>
+          <a:ln w="88900" cap="sq">
+            <a:solidFill>
+              <a:srgbClr val="FFFFFF"/>
+            </a:solidFill>
+            <a:miter lim="800000"/>
+          </a:ln>
+          <a:effectLst>
+            <a:outerShdw blurRad="55000" dist="18000" dir="5400000" algn="tl" rotWithShape="0">
+              <a:srgbClr val="000000">
+                <a:alpha val="40000"/>
+              </a:srgbClr>
+            </a:outerShdw>
+          </a:effectLst>
+          <a:scene3d>
+            <a:camera prst="orthographicFront"/>
+            <a:lightRig rig="twoPt" dir="t">
+              <a:rot lat="0" lon="0" rev="7200000"/>
+            </a:lightRig>
+          </a:scene3d>
+          <a:sp3d>
+            <a:bevelT w="25400" h="19050"/>
+            <a:contourClr>
+              <a:srgbClr val="FFFFFF"/>
+            </a:contourClr>
+          </a:sp3d>
         </p:spPr>
       </p:pic>
+      <p:sp>
+        <p:nvSpPr>
+          <p:cNvPr id="7" name="TextBox 6">
+            <a:extLst>
+              <a:ext uri="{FF2B5EF4-FFF2-40B4-BE49-F238E27FC236}">
+                <a16:creationId xmlns:a16="http://schemas.microsoft.com/office/drawing/2014/main" id="{28747DA7-D5FE-4549-B2FB-46D443AAEF46}"/>
+              </a:ext>
+            </a:extLst>
+          </p:cNvPr>
+          <p:cNvSpPr txBox="1"/>
+          <p:nvPr/>
+        </p:nvSpPr>
+        <p:spPr>
+          <a:xfrm>
+            <a:off x="6340642" y="4102665"/>
+            <a:ext cx="589547" cy="369332"/>
+          </a:xfrm>
+          <a:prstGeom prst="rect">
+            <a:avLst/>
+          </a:prstGeom>
+          <a:noFill/>
+        </p:spPr>
+        <p:txBody>
+          <a:bodyPr wrap="square" rtlCol="0">
+            <a:spAutoFit/>
+          </a:bodyPr>
+          <a:lstStyle/>
+          <a:p>
+            <a:r>
+              <a:rPr lang="en-US" dirty="0"/>
+              <a:t>P1</a:t>
+            </a:r>
+          </a:p>
+        </p:txBody>
+      </p:sp>
+      <p:sp>
+        <p:nvSpPr>
+          <p:cNvPr id="8" name="TextBox 7">
+            <a:extLst>
+              <a:ext uri="{FF2B5EF4-FFF2-40B4-BE49-F238E27FC236}">
+                <a16:creationId xmlns:a16="http://schemas.microsoft.com/office/drawing/2014/main" id="{2FA33659-23B4-4351-B5BD-905A7AA2510B}"/>
+              </a:ext>
+            </a:extLst>
+          </p:cNvPr>
+          <p:cNvSpPr txBox="1"/>
+          <p:nvPr/>
+        </p:nvSpPr>
+        <p:spPr>
+          <a:xfrm>
+            <a:off x="7768390" y="4471997"/>
+            <a:ext cx="425115" cy="369332"/>
+          </a:xfrm>
+          <a:prstGeom prst="rect">
+            <a:avLst/>
+          </a:prstGeom>
+          <a:noFill/>
+        </p:spPr>
+        <p:txBody>
+          <a:bodyPr wrap="square" rtlCol="0">
+            <a:spAutoFit/>
+          </a:bodyPr>
+          <a:lstStyle/>
+          <a:p>
+            <a:r>
+              <a:rPr lang="en-US" dirty="0"/>
+              <a:t>P2</a:t>
+            </a:r>
+          </a:p>
+        </p:txBody>
+      </p:sp>
+      <p:sp>
+        <p:nvSpPr>
+          <p:cNvPr id="9" name="TextBox 8">
+            <a:extLst>
+              <a:ext uri="{FF2B5EF4-FFF2-40B4-BE49-F238E27FC236}">
+                <a16:creationId xmlns:a16="http://schemas.microsoft.com/office/drawing/2014/main" id="{12B9D1D5-E3AF-417B-8217-A4A8F2291723}"/>
+              </a:ext>
+            </a:extLst>
+          </p:cNvPr>
+          <p:cNvSpPr txBox="1"/>
+          <p:nvPr/>
+        </p:nvSpPr>
+        <p:spPr>
+          <a:xfrm>
+            <a:off x="9224211" y="2974013"/>
+            <a:ext cx="589547" cy="369332"/>
+          </a:xfrm>
+          <a:prstGeom prst="rect">
+            <a:avLst/>
+          </a:prstGeom>
+          <a:noFill/>
+        </p:spPr>
+        <p:txBody>
+          <a:bodyPr wrap="square" rtlCol="0">
+            <a:spAutoFit/>
+          </a:bodyPr>
+          <a:lstStyle/>
+          <a:p>
+            <a:r>
+              <a:rPr lang="en-US" dirty="0"/>
+              <a:t>P3</a:t>
+            </a:r>
+          </a:p>
+        </p:txBody>
+      </p:sp>
     </p:spTree>
     <p:extLst>
       <p:ext uri="{BB962C8B-B14F-4D97-AF65-F5344CB8AC3E}">
@@ -7824,10 +8072,10 @@
       </p:sp>
       <p:pic>
         <p:nvPicPr>
-          <p:cNvPr id="7" name="Picture 6">
+          <p:cNvPr id="5" name="Picture 4">
             <a:extLst>
               <a:ext uri="{FF2B5EF4-FFF2-40B4-BE49-F238E27FC236}">
-                <a16:creationId xmlns:a16="http://schemas.microsoft.com/office/drawing/2014/main" id="{8AD8E785-8878-467B-BAAD-B4F988DEB6A0}"/>
+                <a16:creationId xmlns:a16="http://schemas.microsoft.com/office/drawing/2014/main" id="{3AE0FFB8-466C-4619-A6CF-88EB46D2B439}"/>
               </a:ext>
             </a:extLst>
           </p:cNvPr>
@@ -7850,12 +8098,42 @@
         </p:blipFill>
         <p:spPr>
           <a:xfrm>
-            <a:off x="5962389" y="2214694"/>
-            <a:ext cx="6059464" cy="4573042"/>
+            <a:off x="4481150" y="2367093"/>
+            <a:ext cx="7340306" cy="4206146"/>
           </a:xfrm>
           <a:prstGeom prst="rect">
             <a:avLst/>
           </a:prstGeom>
+          <a:solidFill>
+            <a:srgbClr val="FFFFFF">
+              <a:shade val="85000"/>
+            </a:srgbClr>
+          </a:solidFill>
+          <a:ln w="88900" cap="sq">
+            <a:solidFill>
+              <a:srgbClr val="FFFFFF"/>
+            </a:solidFill>
+            <a:miter lim="800000"/>
+          </a:ln>
+          <a:effectLst>
+            <a:outerShdw blurRad="55000" dist="18000" dir="5400000" algn="tl" rotWithShape="0">
+              <a:srgbClr val="000000">
+                <a:alpha val="40000"/>
+              </a:srgbClr>
+            </a:outerShdw>
+          </a:effectLst>
+          <a:scene3d>
+            <a:camera prst="orthographicFront"/>
+            <a:lightRig rig="twoPt" dir="t">
+              <a:rot lat="0" lon="0" rev="7200000"/>
+            </a:lightRig>
+          </a:scene3d>
+          <a:sp3d>
+            <a:bevelT w="25400" h="19050"/>
+            <a:contourClr>
+              <a:srgbClr val="FFFFFF"/>
+            </a:contourClr>
+          </a:sp3d>
         </p:spPr>
       </p:pic>
     </p:spTree>
@@ -7964,12 +8242,83 @@
           </a:p>
         </p:txBody>
       </p:sp>
+      <p:sp>
+        <p:nvSpPr>
+          <p:cNvPr id="8" name="TextBox 7">
+            <a:extLst>
+              <a:ext uri="{FF2B5EF4-FFF2-40B4-BE49-F238E27FC236}">
+                <a16:creationId xmlns:a16="http://schemas.microsoft.com/office/drawing/2014/main" id="{40704BB2-AC60-4F98-B735-53F258EAB65C}"/>
+              </a:ext>
+            </a:extLst>
+          </p:cNvPr>
+          <p:cNvSpPr txBox="1"/>
+          <p:nvPr/>
+        </p:nvSpPr>
+        <p:spPr>
+          <a:xfrm>
+            <a:off x="7891397" y="6239483"/>
+            <a:ext cx="3206663" cy="369332"/>
+          </a:xfrm>
+          <a:prstGeom prst="rect">
+            <a:avLst/>
+          </a:prstGeom>
+          <a:noFill/>
+        </p:spPr>
+        <p:txBody>
+          <a:bodyPr wrap="square" rtlCol="0">
+            <a:spAutoFit/>
+          </a:bodyPr>
+          <a:lstStyle/>
+          <a:p>
+            <a:r>
+              <a:rPr lang="en-US" dirty="0" err="1"/>
+              <a:t>SibSP</a:t>
+            </a:r>
+            <a:endParaRPr lang="en-US" dirty="0"/>
+          </a:p>
+        </p:txBody>
+      </p:sp>
+      <p:sp>
+        <p:nvSpPr>
+          <p:cNvPr id="9" name="TextBox 8">
+            <a:extLst>
+              <a:ext uri="{FF2B5EF4-FFF2-40B4-BE49-F238E27FC236}">
+                <a16:creationId xmlns:a16="http://schemas.microsoft.com/office/drawing/2014/main" id="{E569DF4B-299D-47F7-A2A7-04AE02470827}"/>
+              </a:ext>
+            </a:extLst>
+          </p:cNvPr>
+          <p:cNvSpPr txBox="1"/>
+          <p:nvPr/>
+        </p:nvSpPr>
+        <p:spPr>
+          <a:xfrm>
+            <a:off x="2031304" y="6239483"/>
+            <a:ext cx="3206663" cy="369332"/>
+          </a:xfrm>
+          <a:prstGeom prst="rect">
+            <a:avLst/>
+          </a:prstGeom>
+          <a:noFill/>
+        </p:spPr>
+        <p:txBody>
+          <a:bodyPr wrap="square" rtlCol="0">
+            <a:spAutoFit/>
+          </a:bodyPr>
+          <a:lstStyle/>
+          <a:p>
+            <a:r>
+              <a:rPr lang="en-US" dirty="0"/>
+              <a:t>Parch</a:t>
+            </a:r>
+          </a:p>
+        </p:txBody>
+      </p:sp>
       <p:pic>
         <p:nvPicPr>
-          <p:cNvPr id="5" name="Picture 4">
+          <p:cNvPr id="10" name="Picture 9">
             <a:extLst>
               <a:ext uri="{FF2B5EF4-FFF2-40B4-BE49-F238E27FC236}">
-                <a16:creationId xmlns:a16="http://schemas.microsoft.com/office/drawing/2014/main" id="{5BA0F8A7-C5B6-490E-9773-32901BF8A9CF}"/>
+                <a16:creationId xmlns:a16="http://schemas.microsoft.com/office/drawing/2014/main" id="{96AC0F9A-2C81-4E3B-B7FC-FE0708DFE663}"/>
               </a:ext>
             </a:extLst>
           </p:cNvPr>
@@ -7992,20 +8341,50 @@
         </p:blipFill>
         <p:spPr>
           <a:xfrm>
-            <a:off x="471814" y="2325069"/>
-            <a:ext cx="5624186" cy="3509538"/>
+            <a:off x="663253" y="2436613"/>
+            <a:ext cx="5148000" cy="3802870"/>
           </a:xfrm>
           <a:prstGeom prst="rect">
             <a:avLst/>
           </a:prstGeom>
+          <a:solidFill>
+            <a:srgbClr val="FFFFFF">
+              <a:shade val="85000"/>
+            </a:srgbClr>
+          </a:solidFill>
+          <a:ln w="88900" cap="sq">
+            <a:solidFill>
+              <a:srgbClr val="FFFFFF"/>
+            </a:solidFill>
+            <a:miter lim="800000"/>
+          </a:ln>
+          <a:effectLst>
+            <a:outerShdw blurRad="55000" dist="18000" dir="5400000" algn="tl" rotWithShape="0">
+              <a:srgbClr val="000000">
+                <a:alpha val="40000"/>
+              </a:srgbClr>
+            </a:outerShdw>
+          </a:effectLst>
+          <a:scene3d>
+            <a:camera prst="orthographicFront"/>
+            <a:lightRig rig="twoPt" dir="t">
+              <a:rot lat="0" lon="0" rev="7200000"/>
+            </a:lightRig>
+          </a:scene3d>
+          <a:sp3d>
+            <a:bevelT w="25400" h="19050"/>
+            <a:contourClr>
+              <a:srgbClr val="FFFFFF"/>
+            </a:contourClr>
+          </a:sp3d>
         </p:spPr>
       </p:pic>
       <p:pic>
         <p:nvPicPr>
-          <p:cNvPr id="7" name="Picture 6">
+          <p:cNvPr id="11" name="Picture 10">
             <a:extLst>
               <a:ext uri="{FF2B5EF4-FFF2-40B4-BE49-F238E27FC236}">
-                <a16:creationId xmlns:a16="http://schemas.microsoft.com/office/drawing/2014/main" id="{96FA614B-4E57-430A-98D9-AFD479013B36}"/>
+                <a16:creationId xmlns:a16="http://schemas.microsoft.com/office/drawing/2014/main" id="{A01F3665-DB1C-49AB-9382-CC662F564F54}"/>
               </a:ext>
             </a:extLst>
           </p:cNvPr>
@@ -8028,85 +8407,44 @@
         </p:blipFill>
         <p:spPr>
           <a:xfrm>
-            <a:off x="6501009" y="2465378"/>
-            <a:ext cx="5528152" cy="3509538"/>
+            <a:off x="6481285" y="2436613"/>
+            <a:ext cx="4573042" cy="3646089"/>
           </a:xfrm>
           <a:prstGeom prst="rect">
             <a:avLst/>
           </a:prstGeom>
+          <a:solidFill>
+            <a:srgbClr val="FFFFFF">
+              <a:shade val="85000"/>
+            </a:srgbClr>
+          </a:solidFill>
+          <a:ln w="88900" cap="sq">
+            <a:solidFill>
+              <a:srgbClr val="FFFFFF"/>
+            </a:solidFill>
+            <a:miter lim="800000"/>
+          </a:ln>
+          <a:effectLst>
+            <a:outerShdw blurRad="55000" dist="18000" dir="5400000" algn="tl" rotWithShape="0">
+              <a:srgbClr val="000000">
+                <a:alpha val="40000"/>
+              </a:srgbClr>
+            </a:outerShdw>
+          </a:effectLst>
+          <a:scene3d>
+            <a:camera prst="orthographicFront"/>
+            <a:lightRig rig="twoPt" dir="t">
+              <a:rot lat="0" lon="0" rev="7200000"/>
+            </a:lightRig>
+          </a:scene3d>
+          <a:sp3d>
+            <a:bevelT w="25400" h="19050"/>
+            <a:contourClr>
+              <a:srgbClr val="FFFFFF"/>
+            </a:contourClr>
+          </a:sp3d>
         </p:spPr>
       </p:pic>
-      <p:sp>
-        <p:nvSpPr>
-          <p:cNvPr id="8" name="TextBox 7">
-            <a:extLst>
-              <a:ext uri="{FF2B5EF4-FFF2-40B4-BE49-F238E27FC236}">
-                <a16:creationId xmlns:a16="http://schemas.microsoft.com/office/drawing/2014/main" id="{40704BB2-AC60-4F98-B735-53F258EAB65C}"/>
-              </a:ext>
-            </a:extLst>
-          </p:cNvPr>
-          <p:cNvSpPr txBox="1"/>
-          <p:nvPr/>
-        </p:nvSpPr>
-        <p:spPr>
-          <a:xfrm>
-            <a:off x="7891397" y="6239483"/>
-            <a:ext cx="3206663" cy="369332"/>
-          </a:xfrm>
-          <a:prstGeom prst="rect">
-            <a:avLst/>
-          </a:prstGeom>
-          <a:noFill/>
-        </p:spPr>
-        <p:txBody>
-          <a:bodyPr wrap="square" rtlCol="0">
-            <a:spAutoFit/>
-          </a:bodyPr>
-          <a:lstStyle/>
-          <a:p>
-            <a:r>
-              <a:rPr lang="en-US" dirty="0" err="1"/>
-              <a:t>SibSP</a:t>
-            </a:r>
-            <a:endParaRPr lang="en-US" dirty="0"/>
-          </a:p>
-        </p:txBody>
-      </p:sp>
-      <p:sp>
-        <p:nvSpPr>
-          <p:cNvPr id="9" name="TextBox 8">
-            <a:extLst>
-              <a:ext uri="{FF2B5EF4-FFF2-40B4-BE49-F238E27FC236}">
-                <a16:creationId xmlns:a16="http://schemas.microsoft.com/office/drawing/2014/main" id="{E569DF4B-299D-47F7-A2A7-04AE02470827}"/>
-              </a:ext>
-            </a:extLst>
-          </p:cNvPr>
-          <p:cNvSpPr txBox="1"/>
-          <p:nvPr/>
-        </p:nvSpPr>
-        <p:spPr>
-          <a:xfrm>
-            <a:off x="2031304" y="6239483"/>
-            <a:ext cx="3206663" cy="369332"/>
-          </a:xfrm>
-          <a:prstGeom prst="rect">
-            <a:avLst/>
-          </a:prstGeom>
-          <a:noFill/>
-        </p:spPr>
-        <p:txBody>
-          <a:bodyPr wrap="square" rtlCol="0">
-            <a:spAutoFit/>
-          </a:bodyPr>
-          <a:lstStyle/>
-          <a:p>
-            <a:r>
-              <a:rPr lang="en-US" dirty="0"/>
-              <a:t>Parch</a:t>
-            </a:r>
-          </a:p>
-        </p:txBody>
-      </p:sp>
     </p:spTree>
     <p:extLst>
       <p:ext uri="{BB962C8B-B14F-4D97-AF65-F5344CB8AC3E}">
@@ -8186,6 +8524,10 @@
           <a:bodyPr/>
           <a:lstStyle/>
           <a:p>
+            <a:pPr>
+              <a:buFont typeface="Wingdings" panose="05000000000000000000" pitchFamily="2" charset="2"/>
+              <a:buChar char="§"/>
+            </a:pPr>
             <a:r>
               <a:rPr lang="en-US" dirty="0" err="1"/>
               <a:t>Pearsons</a:t>
@@ -8196,18 +8538,30 @@
             </a:r>
           </a:p>
           <a:p>
+            <a:pPr>
+              <a:buFont typeface="Wingdings" panose="05000000000000000000" pitchFamily="2" charset="2"/>
+              <a:buChar char="§"/>
+            </a:pPr>
             <a:r>
               <a:rPr lang="en-US" dirty="0"/>
-              <a:t>Estimated reliability via p-value</a:t>
-            </a:r>
-          </a:p>
-          <a:p>
+              <a:t>estimated reliability via p-value</a:t>
+            </a:r>
+          </a:p>
+          <a:p>
+            <a:pPr>
+              <a:buFont typeface="Wingdings" panose="05000000000000000000" pitchFamily="2" charset="2"/>
+              <a:buChar char="§"/>
+            </a:pPr>
             <a:r>
               <a:rPr lang="en-US" dirty="0"/>
               <a:t>Good correlation with all variables except id</a:t>
             </a:r>
           </a:p>
           <a:p>
+            <a:pPr>
+              <a:buFont typeface="Wingdings" panose="05000000000000000000" pitchFamily="2" charset="2"/>
+              <a:buChar char="§"/>
+            </a:pPr>
             <a:r>
               <a:rPr lang="en-US" dirty="0"/>
               <a:t>Used cleaned data</a:t>
@@ -9596,6 +9950,10 @@
           <a:bodyPr/>
           <a:lstStyle/>
           <a:p>
+            <a:pPr>
+              <a:buFont typeface="Wingdings" panose="05000000000000000000" pitchFamily="2" charset="2"/>
+              <a:buChar char="§"/>
+            </a:pPr>
             <a:r>
               <a:rPr lang="en-US" cap="none" dirty="0"/>
               <a:t>We ran a logistic regression on the data using the </a:t>
@@ -9610,12 +9968,20 @@
             </a:r>
           </a:p>
           <a:p>
+            <a:pPr>
+              <a:buFont typeface="Wingdings" panose="05000000000000000000" pitchFamily="2" charset="2"/>
+              <a:buChar char="§"/>
+            </a:pPr>
             <a:r>
               <a:rPr lang="en-US" cap="none" dirty="0"/>
               <a:t>The accuracy of the regression was. 80.54</a:t>
             </a:r>
           </a:p>
           <a:p>
+            <a:pPr>
+              <a:buFont typeface="Wingdings" panose="05000000000000000000" pitchFamily="2" charset="2"/>
+              <a:buChar char="§"/>
+            </a:pPr>
             <a:r>
               <a:rPr lang="en-US" cap="none" dirty="0"/>
               <a:t>We generated a prediction array for the data without survivors – approximately 400 passengers</a:t>
@@ -9676,7 +10042,7 @@
           <a:p>
             <a:r>
               <a:rPr lang="en-US" dirty="0"/>
-              <a:t>Conclusion</a:t>
+              <a:t>Lessons Learnt and Conclusion</a:t>
             </a:r>
           </a:p>
         </p:txBody>
@@ -9707,24 +10073,70 @@
           <a:bodyPr/>
           <a:lstStyle/>
           <a:p>
+            <a:pPr>
+              <a:buFont typeface="Wingdings" panose="05000000000000000000" pitchFamily="2" charset="2"/>
+              <a:buChar char="§"/>
+            </a:pPr>
             <a:r>
               <a:rPr lang="en-US" dirty="0"/>
               <a:t>We can predict survival given the information given!</a:t>
             </a:r>
           </a:p>
           <a:p>
+            <a:pPr>
+              <a:buFont typeface="Wingdings" panose="05000000000000000000" pitchFamily="2" charset="2"/>
+              <a:buChar char="§"/>
+            </a:pPr>
+            <a:r>
+              <a:rPr lang="en-US" dirty="0"/>
+              <a:t>Performed various criteria analysis, to achieve at the reliable criteria</a:t>
+            </a:r>
+          </a:p>
+          <a:p>
+            <a:pPr>
+              <a:buFont typeface="Wingdings" panose="05000000000000000000" pitchFamily="2" charset="2"/>
+              <a:buChar char="§"/>
+            </a:pPr>
+            <a:r>
+              <a:rPr lang="en-US" dirty="0"/>
+              <a:t>Used Mean method to fill in the missing ages</a:t>
+            </a:r>
+          </a:p>
+          <a:p>
+            <a:pPr>
+              <a:buFont typeface="Wingdings" panose="05000000000000000000" pitchFamily="2" charset="2"/>
+              <a:buChar char="§"/>
+            </a:pPr>
+            <a:r>
+              <a:rPr lang="en-US" dirty="0"/>
+              <a:t>We used several prediction algorithms in python </a:t>
+            </a:r>
+          </a:p>
+          <a:p>
+            <a:pPr>
+              <a:buFont typeface="Wingdings" panose="05000000000000000000" pitchFamily="2" charset="2"/>
+              <a:buChar char="§"/>
+            </a:pPr>
             <a:r>
               <a:rPr lang="en-US" dirty="0"/>
               <a:t>According to Pearson Correlation and our plots, there is significance in most of the fields that we were given</a:t>
             </a:r>
           </a:p>
           <a:p>
+            <a:pPr>
+              <a:buFont typeface="Wingdings" panose="05000000000000000000" pitchFamily="2" charset="2"/>
+              <a:buChar char="§"/>
+            </a:pPr>
             <a:r>
               <a:rPr lang="en-US" dirty="0"/>
               <a:t>We can predict the contribution of factors via regression analysis</a:t>
             </a:r>
           </a:p>
           <a:p>
+            <a:pPr>
+              <a:buFont typeface="Wingdings" panose="05000000000000000000" pitchFamily="2" charset="2"/>
+              <a:buChar char="§"/>
+            </a:pPr>
             <a:r>
               <a:rPr lang="en-US" dirty="0"/>
               <a:t>Due to the fact that our dependent variable is binary, it is necessary to use logistic regression</a:t>
@@ -10148,7 +10560,7 @@
             <a:pPr lvl="2"/>
             <a:r>
               <a:rPr lang="en-US" sz="1800" dirty="0"/>
-              <a:t>500-Passengers (369- Women &amp; Children + 212- Men)</a:t>
+              <a:t>500-Passengers (369- Women &amp; Children + 131- Men)</a:t>
             </a:r>
           </a:p>
           <a:p>
@@ -10259,12 +10671,20 @@
           </a:bodyPr>
           <a:lstStyle/>
           <a:p>
+            <a:pPr>
+              <a:buFont typeface="Wingdings" panose="05000000000000000000" pitchFamily="2" charset="2"/>
+              <a:buChar char="§"/>
+            </a:pPr>
             <a:r>
               <a:rPr lang="en-US" dirty="0"/>
               <a:t>A great way to Use data for predicting given outcomes is a machine learning model</a:t>
             </a:r>
           </a:p>
           <a:p>
+            <a:pPr>
+              <a:buFont typeface="Wingdings" panose="05000000000000000000" pitchFamily="2" charset="2"/>
+              <a:buChar char="§"/>
+            </a:pPr>
             <a:r>
               <a:rPr lang="en-US" dirty="0"/>
               <a:t>Different Ways to Evaluate Data – all should be used in order to find the best Model – this can be used to find the best model:</a:t>
@@ -10330,89 +10750,6 @@
 </file>
 
 <file path=ppt/slides/slide21.xml><?xml version="1.0" encoding="utf-8"?>
-<p:sld xmlns:a="http://schemas.openxmlformats.org/drawingml/2006/main" xmlns:r="http://schemas.openxmlformats.org/officeDocument/2006/relationships" xmlns:p="http://schemas.openxmlformats.org/presentationml/2006/main">
-  <p:cSld>
-    <p:spTree>
-      <p:nvGrpSpPr>
-        <p:cNvPr id="1" name=""/>
-        <p:cNvGrpSpPr/>
-        <p:nvPr/>
-      </p:nvGrpSpPr>
-      <p:grpSpPr>
-        <a:xfrm>
-          <a:off x="0" y="0"/>
-          <a:ext cx="0" cy="0"/>
-          <a:chOff x="0" y="0"/>
-          <a:chExt cx="0" cy="0"/>
-        </a:xfrm>
-      </p:grpSpPr>
-      <p:sp>
-        <p:nvSpPr>
-          <p:cNvPr id="2" name="Title 1">
-            <a:extLst>
-              <a:ext uri="{FF2B5EF4-FFF2-40B4-BE49-F238E27FC236}">
-                <a16:creationId xmlns:a16="http://schemas.microsoft.com/office/drawing/2014/main" id="{5D8588AB-8BB0-47D7-8FE2-9C285F3CA9A5}"/>
-              </a:ext>
-            </a:extLst>
-          </p:cNvPr>
-          <p:cNvSpPr>
-            <a:spLocks noGrp="1"/>
-          </p:cNvSpPr>
-          <p:nvPr>
-            <p:ph type="title"/>
-          </p:nvPr>
-        </p:nvSpPr>
-        <p:spPr/>
-        <p:txBody>
-          <a:bodyPr/>
-          <a:lstStyle/>
-          <a:p>
-            <a:endParaRPr lang="en-US" dirty="0"/>
-          </a:p>
-        </p:txBody>
-      </p:sp>
-      <p:sp>
-        <p:nvSpPr>
-          <p:cNvPr id="3" name="Content Placeholder 2">
-            <a:extLst>
-              <a:ext uri="{FF2B5EF4-FFF2-40B4-BE49-F238E27FC236}">
-                <a16:creationId xmlns:a16="http://schemas.microsoft.com/office/drawing/2014/main" id="{98981CBC-4D73-490F-BF87-755E28C21D18}"/>
-              </a:ext>
-            </a:extLst>
-          </p:cNvPr>
-          <p:cNvSpPr>
-            <a:spLocks noGrp="1"/>
-          </p:cNvSpPr>
-          <p:nvPr>
-            <p:ph idx="1"/>
-          </p:nvPr>
-        </p:nvSpPr>
-        <p:spPr/>
-        <p:txBody>
-          <a:bodyPr/>
-          <a:lstStyle/>
-          <a:p>
-            <a:r>
-              <a:rPr lang="en-US" dirty="0"/>
-              <a:t>As a result of our work, we gained valuable experience of building prediction systems and achieved our best score on Kaggle: 80.383% of correct predictions (in Kaggle leaderboard, it corresponds to positions 477 - 881 out of 3911 participants). • We performed featured engineering techniques • Changed alphabetic values to numeric • Calculated family size • Extracted title from name and deck label from ticket number • Used linear regression algorithm to fill in missing ages • We used several prediction algorithms in python • Decision tree • Random forests • Extra trees • We achieved our best score 80.383% correct predictions</a:t>
-            </a:r>
-          </a:p>
-        </p:txBody>
-      </p:sp>
-    </p:spTree>
-    <p:extLst>
-      <p:ext uri="{BB962C8B-B14F-4D97-AF65-F5344CB8AC3E}">
-        <p14:creationId xmlns:p14="http://schemas.microsoft.com/office/powerpoint/2010/main" val="326791059"/>
-      </p:ext>
-    </p:extLst>
-  </p:cSld>
-  <p:clrMapOvr>
-    <a:masterClrMapping/>
-  </p:clrMapOvr>
-</p:sld>
-</file>
-
-<file path=ppt/slides/slide22.xml><?xml version="1.0" encoding="utf-8"?>
 <p:sld xmlns:a="http://schemas.openxmlformats.org/drawingml/2006/main" xmlns:r="http://schemas.openxmlformats.org/officeDocument/2006/relationships" xmlns:p="http://schemas.openxmlformats.org/presentationml/2006/main">
   <p:cSld>
     <p:spTree>
@@ -10999,7 +11336,11 @@
               <a:buChar char="§"/>
             </a:pPr>
             <a:r>
-              <a:rPr lang="en-US" dirty="0"/>
+              <a:rPr lang="en-US" dirty="0">
+                <a:solidFill>
+                  <a:schemeClr val="tx1"/>
+                </a:solidFill>
+              </a:rPr>
               <a:t>Data Source: </a:t>
             </a:r>
           </a:p>
@@ -11009,20 +11350,45 @@
               <a:buChar char="§"/>
             </a:pPr>
             <a:r>
-              <a:rPr lang="en-US" dirty="0" err="1"/>
+              <a:rPr lang="en-US" dirty="0" err="1">
+                <a:solidFill>
+                  <a:schemeClr val="tx1"/>
+                </a:solidFill>
+              </a:rPr>
               <a:t>KaaGle</a:t>
             </a:r>
             <a:r>
-              <a:rPr lang="en-US" dirty="0"/>
+              <a:rPr lang="en-US" dirty="0">
+                <a:solidFill>
+                  <a:schemeClr val="tx1"/>
+                </a:solidFill>
+              </a:rPr>
               <a:t>- </a:t>
             </a:r>
             <a:r>
               <a:rPr lang="en-US" dirty="0">
-                <a:hlinkClick r:id="rId2"/>
+                <a:solidFill>
+                  <a:schemeClr val="bg2">
+                    <a:lumMod val="50000"/>
+                  </a:schemeClr>
+                </a:solidFill>
+                <a:hlinkClick r:id="rId2">
+                  <a:extLst>
+                    <a:ext uri="{A12FA001-AC4F-418D-AE19-62706E023703}">
+                      <ahyp:hlinkClr xmlns:ahyp="http://schemas.microsoft.com/office/drawing/2018/hyperlinkcolor" val="tx"/>
+                    </a:ext>
+                  </a:extLst>
+                </a:hlinkClick>
               </a:rPr>
               <a:t>https://www.kaagle.com/c/titanic</a:t>
             </a:r>
-            <a:endParaRPr lang="en-US" dirty="0"/>
+            <a:endParaRPr lang="en-US" dirty="0">
+              <a:solidFill>
+                <a:schemeClr val="bg2">
+                  <a:lumMod val="50000"/>
+                </a:schemeClr>
+              </a:solidFill>
+            </a:endParaRPr>
           </a:p>
           <a:p>
             <a:pPr marL="342900" indent="-342900" algn="l">
@@ -11032,9 +11398,7 @@
             <a:r>
               <a:rPr lang="en-US" sz="2200" dirty="0">
                 <a:solidFill>
-                  <a:schemeClr val="bg1">
-                    <a:lumMod val="50000"/>
-                  </a:schemeClr>
+                  <a:schemeClr val="tx1"/>
                 </a:solidFill>
               </a:rPr>
               <a:t>Processing Steps</a:t>
@@ -11046,7 +11410,11 @@
               <a:buChar char="§"/>
             </a:pPr>
             <a:r>
-              <a:rPr lang="en-US" dirty="0"/>
+              <a:rPr lang="en-US" dirty="0">
+                <a:solidFill>
+                  <a:schemeClr val="tx1"/>
+                </a:solidFill>
+              </a:rPr>
               <a:t>Data Cleaning to remove the Nan and filled in few data points without altering the main data</a:t>
             </a:r>
           </a:p>
@@ -11058,9 +11426,7 @@
             <a:r>
               <a:rPr lang="en-US" sz="2200" dirty="0">
                 <a:solidFill>
-                  <a:schemeClr val="bg1">
-                    <a:lumMod val="50000"/>
-                  </a:schemeClr>
+                  <a:schemeClr val="tx1"/>
                 </a:solidFill>
               </a:rPr>
               <a:t>Converted the data into float and changed few columns into 1 and 0 for easy analysis</a:t>
@@ -11072,7 +11438,11 @@
               <a:buChar char="§"/>
             </a:pPr>
             <a:r>
-              <a:rPr lang="en-US" dirty="0"/>
+              <a:rPr lang="en-US" dirty="0">
+                <a:solidFill>
+                  <a:schemeClr val="tx1"/>
+                </a:solidFill>
+              </a:rPr>
               <a:t>Did analysis on different factors, supporting charts were drawn</a:t>
             </a:r>
           </a:p>
@@ -11082,7 +11452,11 @@
               <a:buChar char="§"/>
             </a:pPr>
             <a:r>
-              <a:rPr lang="en-US" dirty="0"/>
+              <a:rPr lang="en-US" dirty="0">
+                <a:solidFill>
+                  <a:schemeClr val="tx1"/>
+                </a:solidFill>
+              </a:rPr>
               <a:t>Correlation analysis to determine significance and relationship</a:t>
             </a:r>
           </a:p>
@@ -11092,32 +11466,42 @@
               <a:buChar char="§"/>
             </a:pPr>
             <a:r>
-              <a:rPr lang="en-US" dirty="0"/>
+              <a:rPr lang="en-US" dirty="0">
+                <a:solidFill>
+                  <a:schemeClr val="tx1"/>
+                </a:solidFill>
+              </a:rPr>
               <a:t>Regression analysis was carried out as a part of conclusion</a:t>
             </a:r>
             <a:r>
               <a:rPr lang="en-US" sz="2200" dirty="0">
                 <a:solidFill>
-                  <a:schemeClr val="bg1">
-                    <a:lumMod val="50000"/>
-                  </a:schemeClr>
+                  <a:schemeClr val="tx1"/>
                 </a:solidFill>
               </a:rPr>
               <a:t> </a:t>
             </a:r>
           </a:p>
           <a:p>
-            <a:endParaRPr lang="en-US" dirty="0"/>
-          </a:p>
-          <a:p>
-            <a:endParaRPr lang="en-US" dirty="0"/>
+            <a:endParaRPr lang="en-US" dirty="0">
+              <a:solidFill>
+                <a:schemeClr val="tx1"/>
+              </a:solidFill>
+            </a:endParaRPr>
+          </a:p>
+          <a:p>
+            <a:endParaRPr lang="en-US" dirty="0">
+              <a:solidFill>
+                <a:schemeClr val="tx1"/>
+              </a:solidFill>
+            </a:endParaRPr>
           </a:p>
         </p:txBody>
       </p:sp>
     </p:spTree>
     <p:extLst>
       <p:ext uri="{BB962C8B-B14F-4D97-AF65-F5344CB8AC3E}">
-        <p14:creationId xmlns:p14="http://schemas.microsoft.com/office/powerpoint/2010/main" val="4092119230"/>
+        <p14:creationId xmlns:p14="http://schemas.microsoft.com/office/powerpoint/2010/main" val="1000315859"/>
       </p:ext>
     </p:extLst>
   </p:cSld>
@@ -11146,866 +11530,571 @@
       </p:grpSpPr>
       <p:sp>
         <p:nvSpPr>
-          <p:cNvPr id="2" name="Title 1">
+          <p:cNvPr id="4" name="Title 1">
             <a:extLst>
               <a:ext uri="{FF2B5EF4-FFF2-40B4-BE49-F238E27FC236}">
-                <a16:creationId xmlns:a16="http://schemas.microsoft.com/office/drawing/2014/main" id="{2355A2F3-AF2A-4661-BFA3-F627FE162F28}"/>
+                <a16:creationId xmlns:a16="http://schemas.microsoft.com/office/drawing/2014/main" id="{4FB09663-A877-4D53-BA83-9489FBA89715}"/>
               </a:ext>
             </a:extLst>
           </p:cNvPr>
-          <p:cNvSpPr>
-            <a:spLocks noGrp="1"/>
-          </p:cNvSpPr>
-          <p:nvPr>
-            <p:ph type="title"/>
-          </p:nvPr>
+          <p:cNvSpPr txBox="1">
+            <a:spLocks/>
+          </p:cNvSpPr>
+          <p:nvPr/>
         </p:nvSpPr>
         <p:spPr>
           <a:xfrm>
             <a:off x="913775" y="217714"/>
             <a:ext cx="10364451" cy="642258"/>
           </a:xfrm>
+          <a:prstGeom prst="rect">
+            <a:avLst/>
+          </a:prstGeom>
         </p:spPr>
         <p:txBody>
-          <a:bodyPr>
+          <a:bodyPr vert="horz" lIns="91440" tIns="45720" rIns="91440" bIns="45720" rtlCol="0" anchor="ctr">
             <a:normAutofit/>
           </a:bodyPr>
-          <a:lstStyle/>
-          <a:p>
-            <a:r>
-              <a:rPr lang="en-US" dirty="0"/>
+          <a:lstStyle>
+            <a:lvl1pPr algn="ctr" defTabSz="914400" rtl="0" eaLnBrk="1" latinLnBrk="0" hangingPunct="1">
+              <a:lnSpc>
+                <a:spcPct val="90000"/>
+              </a:lnSpc>
+              <a:spcBef>
+                <a:spcPct val="0"/>
+              </a:spcBef>
+              <a:buNone/>
+              <a:defRPr sz="3600" kern="1200" cap="all" baseline="0">
+                <a:solidFill>
+                  <a:schemeClr val="tx1"/>
+                </a:solidFill>
+                <a:effectLst/>
+                <a:latin typeface="+mj-lt"/>
+                <a:ea typeface="+mj-ea"/>
+                <a:cs typeface="+mj-cs"/>
+              </a:defRPr>
+            </a:lvl1pPr>
+          </a:lstStyle>
+          <a:p>
+            <a:r>
+              <a:rPr lang="en-US"/>
               <a:t>Titanic – Data Dictionary and Problems</a:t>
             </a:r>
-          </a:p>
-        </p:txBody>
-      </p:sp>
-      <p:sp>
-        <p:nvSpPr>
-          <p:cNvPr id="3" name="Content Placeholder 2">
+            <a:endParaRPr lang="en-US" dirty="0"/>
+          </a:p>
+        </p:txBody>
+      </p:sp>
+      <p:sp>
+        <p:nvSpPr>
+          <p:cNvPr id="5" name="Content Placeholder 2">
             <a:extLst>
               <a:ext uri="{FF2B5EF4-FFF2-40B4-BE49-F238E27FC236}">
-                <a16:creationId xmlns:a16="http://schemas.microsoft.com/office/drawing/2014/main" id="{FC6457C9-36BE-4B39-B897-D37850EE1D80}"/>
+                <a16:creationId xmlns:a16="http://schemas.microsoft.com/office/drawing/2014/main" id="{00C56C30-BB2B-4310-A55F-C9AED7517369}"/>
               </a:ext>
             </a:extLst>
           </p:cNvPr>
-          <p:cNvSpPr>
-            <a:spLocks noGrp="1"/>
-          </p:cNvSpPr>
-          <p:nvPr>
-            <p:ph idx="1"/>
-          </p:nvPr>
+          <p:cNvSpPr txBox="1">
+            <a:spLocks/>
+          </p:cNvSpPr>
+          <p:nvPr/>
         </p:nvSpPr>
         <p:spPr>
           <a:xfrm>
-            <a:off x="445689" y="2922562"/>
-            <a:ext cx="10364452" cy="3424107"/>
-          </a:xfrm>
-        </p:spPr>
-        <p:txBody>
-          <a:bodyPr>
-            <a:normAutofit fontScale="70000" lnSpcReduction="20000"/>
-          </a:bodyPr>
-          <a:lstStyle/>
-          <a:p>
-            <a:pPr marL="0" indent="0">
-              <a:buNone/>
-            </a:pPr>
-            <a:r>
-              <a:rPr lang="en-US" dirty="0"/>
-              <a:t>The Data had missing input in fields:</a:t>
-            </a:r>
-          </a:p>
-          <a:p>
-            <a:pPr marL="0" indent="0">
-              <a:buNone/>
-            </a:pPr>
-            <a:r>
-              <a:rPr lang="en-US" dirty="0"/>
-              <a:t>           There were 1309 passengers in total</a:t>
-            </a:r>
-          </a:p>
-          <a:p>
-            <a:pPr marL="0" indent="0">
-              <a:buNone/>
-            </a:pPr>
-            <a:r>
-              <a:rPr lang="en-US" dirty="0"/>
-              <a:t>	Cabin was missing in 1015 items</a:t>
-            </a:r>
-          </a:p>
-          <a:p>
-            <a:pPr marL="0" indent="0">
-              <a:buNone/>
-            </a:pPr>
-            <a:r>
-              <a:rPr lang="en-US" dirty="0"/>
-              <a:t>	Age was missing in 246 items</a:t>
-            </a:r>
-          </a:p>
-          <a:p>
-            <a:pPr marL="0" indent="0">
-              <a:buNone/>
-            </a:pPr>
-            <a:r>
-              <a:rPr lang="en-US" dirty="0"/>
-              <a:t>	Embarked Location in 2 items</a:t>
-            </a:r>
-          </a:p>
-          <a:p>
-            <a:pPr marL="0" indent="0">
-              <a:buNone/>
-            </a:pPr>
-            <a:r>
-              <a:rPr lang="en-US" dirty="0"/>
-              <a:t>	Fare in 1 item</a:t>
-            </a:r>
-          </a:p>
-          <a:p>
-            <a:pPr marL="0" indent="0">
-              <a:buNone/>
-            </a:pPr>
-            <a:r>
-              <a:rPr lang="en-US" dirty="0"/>
-              <a:t>Disposition:</a:t>
-            </a:r>
-          </a:p>
-          <a:p>
-            <a:pPr marL="0" indent="0">
-              <a:buNone/>
-            </a:pPr>
-            <a:r>
-              <a:rPr lang="en-US" dirty="0"/>
-              <a:t>  	Cabin dropped</a:t>
-            </a:r>
-          </a:p>
-          <a:p>
-            <a:pPr marL="0" indent="0">
-              <a:buNone/>
-            </a:pPr>
-            <a:r>
-              <a:rPr lang="en-US" dirty="0"/>
-              <a:t>	Age filled with mean for given sex and age</a:t>
-            </a:r>
-          </a:p>
-          <a:p>
-            <a:pPr marL="0" indent="0">
-              <a:buNone/>
-            </a:pPr>
-            <a:r>
-              <a:rPr lang="en-US" dirty="0"/>
-              <a:t>	</a:t>
-            </a:r>
-            <a:r>
-              <a:rPr lang="en-US" dirty="0" err="1"/>
-              <a:t>Embarcation</a:t>
-            </a:r>
-            <a:r>
-              <a:rPr lang="en-US" dirty="0"/>
-              <a:t> and Fare missing recs dropped            </a:t>
-            </a:r>
-          </a:p>
-        </p:txBody>
-      </p:sp>
-      <p:sp>
-        <p:nvSpPr>
-          <p:cNvPr id="4" name="Rectangle 1">
-            <a:extLst>
-              <a:ext uri="{FF2B5EF4-FFF2-40B4-BE49-F238E27FC236}">
-                <a16:creationId xmlns:a16="http://schemas.microsoft.com/office/drawing/2014/main" id="{11363DDD-23CF-4E7A-BA10-11EE2D460B38}"/>
-              </a:ext>
-            </a:extLst>
-          </p:cNvPr>
-          <p:cNvSpPr>
-            <a:spLocks noChangeArrowheads="1"/>
-          </p:cNvSpPr>
-          <p:nvPr/>
-        </p:nvSpPr>
-        <p:spPr bwMode="auto">
-          <a:xfrm>
-            <a:off x="445689" y="202848"/>
-            <a:ext cx="6314339" cy="3447098"/>
+            <a:off x="6422321" y="859972"/>
+            <a:ext cx="5693479" cy="5562599"/>
           </a:xfrm>
           <a:prstGeom prst="rect">
             <a:avLst/>
           </a:prstGeom>
-          <a:solidFill>
-            <a:srgbClr val="FFFFFF"/>
-          </a:solidFill>
-          <a:ln>
-            <a:noFill/>
-          </a:ln>
-          <a:effectLst/>
-          <a:extLst>
-            <a:ext uri="{91240B29-F687-4F45-9708-019B960494DF}">
-              <a14:hiddenLine xmlns:a14="http://schemas.microsoft.com/office/drawing/2010/main" w="9525">
+        </p:spPr>
+        <p:txBody>
+          <a:bodyPr>
+            <a:normAutofit/>
+          </a:bodyPr>
+          <a:lstStyle>
+            <a:lvl1pPr marL="228600" indent="-228600" algn="l" defTabSz="914400" rtl="0" eaLnBrk="1" latinLnBrk="0" hangingPunct="1">
+              <a:lnSpc>
+                <a:spcPct val="120000"/>
+              </a:lnSpc>
+              <a:spcBef>
+                <a:spcPts val="1000"/>
+              </a:spcBef>
+              <a:buClr>
+                <a:schemeClr val="tx1"/>
+              </a:buClr>
+              <a:buFont typeface="Arial" panose="020B0604020202020204" pitchFamily="34" charset="0"/>
+              <a:buChar char="•"/>
+              <a:defRPr sz="2000" kern="1200" cap="all" baseline="0">
                 <a:solidFill>
                   <a:schemeClr val="tx1"/>
                 </a:solidFill>
-                <a:miter lim="800000"/>
-                <a:headEnd/>
-                <a:tailEnd/>
-              </a14:hiddenLine>
-            </a:ext>
-            <a:ext uri="{AF507438-7753-43E0-B8FC-AC1667EBCBE1}">
-              <a14:hiddenEffects xmlns:a14="http://schemas.microsoft.com/office/drawing/2010/main">
-                <a:effectLst>
-                  <a:outerShdw dist="35921" dir="2700000" algn="ctr" rotWithShape="0">
-                    <a:schemeClr val="bg2"/>
-                  </a:outerShdw>
-                </a:effectLst>
-              </a14:hiddenEffects>
-            </a:ext>
-          </a:extLst>
+                <a:effectLst/>
+                <a:latin typeface="+mn-lt"/>
+                <a:ea typeface="+mn-ea"/>
+                <a:cs typeface="+mn-cs"/>
+              </a:defRPr>
+            </a:lvl1pPr>
+            <a:lvl2pPr marL="685800" indent="-228600" algn="l" defTabSz="914400" rtl="0" eaLnBrk="1" latinLnBrk="0" hangingPunct="1">
+              <a:lnSpc>
+                <a:spcPct val="120000"/>
+              </a:lnSpc>
+              <a:spcBef>
+                <a:spcPts val="500"/>
+              </a:spcBef>
+              <a:buClr>
+                <a:schemeClr val="tx1"/>
+              </a:buClr>
+              <a:buFont typeface="Arial" panose="020B0604020202020204" pitchFamily="34" charset="0"/>
+              <a:buChar char="•"/>
+              <a:defRPr sz="1800" kern="1200" cap="all" baseline="0">
+                <a:solidFill>
+                  <a:schemeClr val="tx1"/>
+                </a:solidFill>
+                <a:effectLst/>
+                <a:latin typeface="+mn-lt"/>
+                <a:ea typeface="+mn-ea"/>
+                <a:cs typeface="+mn-cs"/>
+              </a:defRPr>
+            </a:lvl2pPr>
+            <a:lvl3pPr marL="1143000" indent="-228600" algn="l" defTabSz="914400" rtl="0" eaLnBrk="1" latinLnBrk="0" hangingPunct="1">
+              <a:lnSpc>
+                <a:spcPct val="120000"/>
+              </a:lnSpc>
+              <a:spcBef>
+                <a:spcPts val="500"/>
+              </a:spcBef>
+              <a:buClr>
+                <a:schemeClr val="tx1"/>
+              </a:buClr>
+              <a:buFont typeface="Arial" panose="020B0604020202020204" pitchFamily="34" charset="0"/>
+              <a:buChar char="•"/>
+              <a:defRPr sz="1600" kern="1200" cap="all" baseline="0">
+                <a:solidFill>
+                  <a:schemeClr val="tx1"/>
+                </a:solidFill>
+                <a:effectLst/>
+                <a:latin typeface="+mn-lt"/>
+                <a:ea typeface="+mn-ea"/>
+                <a:cs typeface="+mn-cs"/>
+              </a:defRPr>
+            </a:lvl3pPr>
+            <a:lvl4pPr marL="1600200" indent="-228600" algn="l" defTabSz="914400" rtl="0" eaLnBrk="1" latinLnBrk="0" hangingPunct="1">
+              <a:lnSpc>
+                <a:spcPct val="120000"/>
+              </a:lnSpc>
+              <a:spcBef>
+                <a:spcPts val="500"/>
+              </a:spcBef>
+              <a:buClr>
+                <a:schemeClr val="tx1"/>
+              </a:buClr>
+              <a:buFont typeface="Arial" panose="020B0604020202020204" pitchFamily="34" charset="0"/>
+              <a:buChar char="•"/>
+              <a:defRPr sz="1400" kern="1200" cap="all" baseline="0">
+                <a:solidFill>
+                  <a:schemeClr val="tx1"/>
+                </a:solidFill>
+                <a:effectLst/>
+                <a:latin typeface="+mn-lt"/>
+                <a:ea typeface="+mn-ea"/>
+                <a:cs typeface="+mn-cs"/>
+              </a:defRPr>
+            </a:lvl4pPr>
+            <a:lvl5pPr marL="2057400" indent="-228600" algn="l" defTabSz="914400" rtl="0" eaLnBrk="1" latinLnBrk="0" hangingPunct="1">
+              <a:lnSpc>
+                <a:spcPct val="120000"/>
+              </a:lnSpc>
+              <a:spcBef>
+                <a:spcPts val="500"/>
+              </a:spcBef>
+              <a:buClr>
+                <a:schemeClr val="tx1"/>
+              </a:buClr>
+              <a:buFont typeface="Arial" panose="020B0604020202020204" pitchFamily="34" charset="0"/>
+              <a:buChar char="•"/>
+              <a:defRPr sz="1400" kern="1200" cap="all" baseline="0">
+                <a:solidFill>
+                  <a:schemeClr val="tx1"/>
+                </a:solidFill>
+                <a:effectLst/>
+                <a:latin typeface="+mn-lt"/>
+                <a:ea typeface="+mn-ea"/>
+                <a:cs typeface="+mn-cs"/>
+              </a:defRPr>
+            </a:lvl5pPr>
+            <a:lvl6pPr marL="2514600" indent="-228600" algn="l" defTabSz="914400" rtl="0" eaLnBrk="1" latinLnBrk="0" hangingPunct="1">
+              <a:lnSpc>
+                <a:spcPct val="120000"/>
+              </a:lnSpc>
+              <a:spcBef>
+                <a:spcPts val="500"/>
+              </a:spcBef>
+              <a:buClr>
+                <a:schemeClr val="tx1"/>
+              </a:buClr>
+              <a:buFont typeface="Arial" panose="020B0604020202020204" pitchFamily="34" charset="0"/>
+              <a:buChar char="•"/>
+              <a:defRPr sz="1400" kern="1200" cap="all" baseline="0">
+                <a:solidFill>
+                  <a:schemeClr val="tx1"/>
+                </a:solidFill>
+                <a:effectLst/>
+                <a:latin typeface="+mn-lt"/>
+                <a:ea typeface="+mn-ea"/>
+                <a:cs typeface="+mn-cs"/>
+              </a:defRPr>
+            </a:lvl6pPr>
+            <a:lvl7pPr marL="2971800" indent="-228600" algn="l" defTabSz="914400" rtl="0" eaLnBrk="1" latinLnBrk="0" hangingPunct="1">
+              <a:lnSpc>
+                <a:spcPct val="120000"/>
+              </a:lnSpc>
+              <a:spcBef>
+                <a:spcPts val="500"/>
+              </a:spcBef>
+              <a:buClr>
+                <a:schemeClr val="tx1"/>
+              </a:buClr>
+              <a:buFont typeface="Arial" panose="020B0604020202020204" pitchFamily="34" charset="0"/>
+              <a:buChar char="•"/>
+              <a:defRPr sz="1400" kern="1200" cap="all" baseline="0">
+                <a:solidFill>
+                  <a:schemeClr val="tx1"/>
+                </a:solidFill>
+                <a:effectLst/>
+                <a:latin typeface="+mn-lt"/>
+                <a:ea typeface="+mn-ea"/>
+                <a:cs typeface="+mn-cs"/>
+              </a:defRPr>
+            </a:lvl7pPr>
+            <a:lvl8pPr marL="3429000" indent="-228600" algn="l" defTabSz="914400" rtl="0" eaLnBrk="1" latinLnBrk="0" hangingPunct="1">
+              <a:lnSpc>
+                <a:spcPct val="120000"/>
+              </a:lnSpc>
+              <a:spcBef>
+                <a:spcPts val="500"/>
+              </a:spcBef>
+              <a:buClr>
+                <a:schemeClr val="tx1"/>
+              </a:buClr>
+              <a:buFont typeface="Arial" panose="020B0604020202020204" pitchFamily="34" charset="0"/>
+              <a:buChar char="•"/>
+              <a:defRPr sz="1400" kern="1200" cap="all" baseline="0">
+                <a:solidFill>
+                  <a:schemeClr val="tx1"/>
+                </a:solidFill>
+                <a:effectLst/>
+                <a:latin typeface="+mn-lt"/>
+                <a:ea typeface="+mn-ea"/>
+                <a:cs typeface="+mn-cs"/>
+              </a:defRPr>
+            </a:lvl8pPr>
+            <a:lvl9pPr marL="3886200" indent="-228600" algn="l" defTabSz="914400" rtl="0" eaLnBrk="1" latinLnBrk="0" hangingPunct="1">
+              <a:lnSpc>
+                <a:spcPct val="120000"/>
+              </a:lnSpc>
+              <a:spcBef>
+                <a:spcPts val="500"/>
+              </a:spcBef>
+              <a:buClr>
+                <a:schemeClr val="tx1"/>
+              </a:buClr>
+              <a:buFont typeface="Arial" panose="020B0604020202020204" pitchFamily="34" charset="0"/>
+              <a:buChar char="•"/>
+              <a:defRPr sz="1400" kern="1200" cap="all" baseline="0">
+                <a:solidFill>
+                  <a:schemeClr val="tx1"/>
+                </a:solidFill>
+                <a:effectLst/>
+                <a:latin typeface="+mn-lt"/>
+                <a:ea typeface="+mn-ea"/>
+                <a:cs typeface="+mn-cs"/>
+              </a:defRPr>
+            </a:lvl9pPr>
+          </a:lstStyle>
+          <a:p>
+            <a:pPr marL="0" indent="0">
+              <a:buFont typeface="Arial" panose="020B0604020202020204" pitchFamily="34" charset="0"/>
+              <a:buNone/>
+            </a:pPr>
+            <a:r>
+              <a:rPr lang="en-US" u="sng"/>
+              <a:t>The Data had missing input in fields:</a:t>
+            </a:r>
+          </a:p>
+          <a:p>
+            <a:pPr>
+              <a:buFont typeface="Wingdings" panose="05000000000000000000" pitchFamily="2" charset="2"/>
+              <a:buChar char="§"/>
+            </a:pPr>
+            <a:r>
+              <a:rPr lang="en-US"/>
+              <a:t>There were 812 passengers in total</a:t>
+            </a:r>
+          </a:p>
+          <a:p>
+            <a:pPr lvl="1">
+              <a:buFont typeface="Wingdings" panose="05000000000000000000" pitchFamily="2" charset="2"/>
+              <a:buChar char="§"/>
+            </a:pPr>
+            <a:r>
+              <a:rPr lang="en-US"/>
+              <a:t>Cabin was missing in 1014 items</a:t>
+            </a:r>
+          </a:p>
+          <a:p>
+            <a:pPr lvl="1">
+              <a:buFont typeface="Wingdings" panose="05000000000000000000" pitchFamily="2" charset="2"/>
+              <a:buChar char="§"/>
+            </a:pPr>
+            <a:r>
+              <a:rPr lang="en-US"/>
+              <a:t>Age was missing in 263 items</a:t>
+            </a:r>
+          </a:p>
+          <a:p>
+            <a:pPr lvl="1">
+              <a:buFont typeface="Wingdings" panose="05000000000000000000" pitchFamily="2" charset="2"/>
+              <a:buChar char="§"/>
+            </a:pPr>
+            <a:r>
+              <a:rPr lang="en-US"/>
+              <a:t>Embarked Location in 2 items</a:t>
+            </a:r>
+          </a:p>
+          <a:p>
+            <a:pPr lvl="1">
+              <a:buFont typeface="Wingdings" panose="05000000000000000000" pitchFamily="2" charset="2"/>
+              <a:buChar char="§"/>
+            </a:pPr>
+            <a:r>
+              <a:rPr lang="en-US"/>
+              <a:t>Fare in 1 item</a:t>
+            </a:r>
+          </a:p>
+          <a:p>
+            <a:pPr marL="457200" lvl="1" indent="0">
+              <a:buFont typeface="Arial" panose="020B0604020202020204" pitchFamily="34" charset="0"/>
+              <a:buNone/>
+            </a:pPr>
+            <a:endParaRPr lang="en-US"/>
+          </a:p>
+          <a:p>
+            <a:pPr>
+              <a:buFont typeface="Wingdings" panose="05000000000000000000" pitchFamily="2" charset="2"/>
+              <a:buChar char="§"/>
+            </a:pPr>
+            <a:r>
+              <a:rPr lang="en-US"/>
+              <a:t>Disposition:</a:t>
+            </a:r>
+          </a:p>
+          <a:p>
+            <a:pPr lvl="1">
+              <a:buFont typeface="Wingdings" panose="05000000000000000000" pitchFamily="2" charset="2"/>
+              <a:buChar char="§"/>
+            </a:pPr>
+            <a:r>
+              <a:rPr lang="en-US"/>
+              <a:t>Cabin dropped</a:t>
+            </a:r>
+          </a:p>
+          <a:p>
+            <a:pPr lvl="1">
+              <a:buFont typeface="Wingdings" panose="05000000000000000000" pitchFamily="2" charset="2"/>
+              <a:buChar char="§"/>
+            </a:pPr>
+            <a:r>
+              <a:rPr lang="en-US"/>
+              <a:t>Age filled with mean for given    sex and age</a:t>
+            </a:r>
+          </a:p>
+          <a:p>
+            <a:pPr lvl="1">
+              <a:buFont typeface="Wingdings" panose="05000000000000000000" pitchFamily="2" charset="2"/>
+              <a:buChar char="§"/>
+            </a:pPr>
+            <a:r>
+              <a:rPr lang="en-US"/>
+              <a:t>Embarkation and Fare missing Secs dropped          </a:t>
+            </a:r>
+          </a:p>
+          <a:p>
+            <a:pPr marL="0" indent="0">
+              <a:buFont typeface="Arial" panose="020B0604020202020204" pitchFamily="34" charset="0"/>
+              <a:buNone/>
+            </a:pPr>
+            <a:endParaRPr lang="en-US" dirty="0"/>
+          </a:p>
+        </p:txBody>
+      </p:sp>
+      <p:sp>
+        <p:nvSpPr>
+          <p:cNvPr id="6" name="TextBox 5">
+            <a:extLst>
+              <a:ext uri="{FF2B5EF4-FFF2-40B4-BE49-F238E27FC236}">
+                <a16:creationId xmlns:a16="http://schemas.microsoft.com/office/drawing/2014/main" id="{F76E9CCD-7651-42B4-86FA-4BED9C572D11}"/>
+              </a:ext>
+            </a:extLst>
+          </p:cNvPr>
+          <p:cNvSpPr txBox="1"/>
+          <p:nvPr/>
+        </p:nvSpPr>
+        <p:spPr>
+          <a:xfrm>
+            <a:off x="445689" y="859972"/>
+            <a:ext cx="4833882" cy="5632311"/>
+          </a:xfrm>
+          <a:prstGeom prst="rect">
+            <a:avLst/>
+          </a:prstGeom>
+          <a:noFill/>
         </p:spPr>
         <p:txBody>
-          <a:bodyPr vert="horz" wrap="square" lIns="0" tIns="0" rIns="0" bIns="0" numCol="1" anchor="ctr" anchorCtr="0" compatLnSpc="1">
-            <a:prstTxWarp prst="textNoShape">
-              <a:avLst/>
-            </a:prstTxWarp>
+          <a:bodyPr wrap="square" rtlCol="0">
             <a:spAutoFit/>
           </a:bodyPr>
           <a:lstStyle/>
           <a:p>
-            <a:pPr marL="0" marR="0" lvl="0" indent="0" algn="l" defTabSz="914400" rtl="0" eaLnBrk="0" fontAlgn="base" latinLnBrk="0" hangingPunct="0">
-              <a:lnSpc>
-                <a:spcPct val="100000"/>
-              </a:lnSpc>
-              <a:spcBef>
-                <a:spcPct val="0"/>
-              </a:spcBef>
-              <a:spcAft>
-                <a:spcPct val="0"/>
-              </a:spcAft>
-              <a:buClrTx/>
-              <a:buSzTx/>
-              <a:buFontTx/>
-              <a:buNone/>
-              <a:tabLst/>
+            <a:r>
+              <a:rPr lang="en-US" u="sng" dirty="0"/>
+              <a:t>Data Dictionary</a:t>
+            </a:r>
+          </a:p>
+          <a:p>
+            <a:endParaRPr lang="en-US" u="sng" dirty="0"/>
+          </a:p>
+          <a:p>
+            <a:pPr marL="285750" indent="-285750">
+              <a:buFont typeface="Wingdings" panose="05000000000000000000" pitchFamily="2" charset="2"/>
+              <a:buChar char="§"/>
             </a:pPr>
-            <a:endParaRPr kumimoji="0" lang="en-US" altLang="en-US" sz="1400" b="0" i="0" u="none" strike="noStrike" cap="none" normalizeH="0" baseline="0" dirty="0">
-              <a:ln>
-                <a:noFill/>
-              </a:ln>
-              <a:solidFill>
-                <a:schemeClr val="tx1"/>
-              </a:solidFill>
-              <a:effectLst/>
-              <a:latin typeface="Arial" panose="020B0604020202020204" pitchFamily="34" charset="0"/>
-            </a:endParaRPr>
-          </a:p>
-          <a:p>
-            <a:pPr marL="0" marR="0" lvl="0" indent="0" algn="l" defTabSz="914400" rtl="0" eaLnBrk="0" fontAlgn="base" latinLnBrk="0" hangingPunct="0">
-              <a:lnSpc>
-                <a:spcPct val="100000"/>
-              </a:lnSpc>
-              <a:spcBef>
-                <a:spcPct val="0"/>
-              </a:spcBef>
-              <a:spcAft>
-                <a:spcPct val="0"/>
-              </a:spcAft>
-              <a:buClrTx/>
-              <a:buSzTx/>
-              <a:buFontTx/>
-              <a:buChar char="•"/>
-              <a:tabLst/>
+            <a:r>
+              <a:rPr lang="en-US" dirty="0"/>
+              <a:t>Passenger ID- A column added by Kaggle to identify each row and make submissions easier</a:t>
+            </a:r>
+          </a:p>
+          <a:p>
+            <a:pPr marL="285750" indent="-285750">
+              <a:buFont typeface="Wingdings" panose="05000000000000000000" pitchFamily="2" charset="2"/>
+              <a:buChar char="§"/>
             </a:pPr>
             <a:r>
-              <a:rPr kumimoji="0" lang="en-US" altLang="en-US" sz="1400" b="0" i="0" u="none" strike="noStrike" cap="none" normalizeH="0" baseline="0" dirty="0" err="1">
-                <a:ln>
-                  <a:noFill/>
-                </a:ln>
-                <a:solidFill>
-                  <a:srgbClr val="0A0A0A"/>
-                </a:solidFill>
-                <a:effectLst/>
-                <a:latin typeface="Arial Unicode MS" panose="020B0604020202020204" pitchFamily="34" charset="-128"/>
-              </a:rPr>
-              <a:t>PassengerID</a:t>
-            </a:r>
-            <a:r>
-              <a:rPr kumimoji="0" lang="en-US" altLang="en-US" sz="1400" b="0" i="0" u="none" strike="noStrike" cap="none" normalizeH="0" baseline="0" dirty="0">
-                <a:ln>
-                  <a:noFill/>
-                </a:ln>
-                <a:solidFill>
-                  <a:srgbClr val="0A0A0A"/>
-                </a:solidFill>
-                <a:effectLst/>
-                <a:latin typeface="merriweather"/>
-              </a:rPr>
-              <a:t>— A column added by Kaggle to identify each row and make submissions easier</a:t>
-            </a:r>
-          </a:p>
-          <a:p>
-            <a:pPr marL="0" marR="0" lvl="0" indent="0" algn="l" defTabSz="914400" rtl="0" eaLnBrk="0" fontAlgn="base" latinLnBrk="0" hangingPunct="0">
-              <a:lnSpc>
-                <a:spcPct val="100000"/>
-              </a:lnSpc>
-              <a:spcBef>
-                <a:spcPct val="0"/>
-              </a:spcBef>
-              <a:spcAft>
-                <a:spcPct val="0"/>
-              </a:spcAft>
-              <a:buClrTx/>
-              <a:buSzTx/>
-              <a:buFontTx/>
-              <a:buChar char="•"/>
-              <a:tabLst/>
+              <a:rPr lang="en-US" dirty="0"/>
+              <a:t>Survived- expressed in terms of 0(dead) and 1(survived)</a:t>
+            </a:r>
+          </a:p>
+          <a:p>
+            <a:pPr marL="285750" indent="-285750">
+              <a:buFont typeface="Wingdings" panose="05000000000000000000" pitchFamily="2" charset="2"/>
+              <a:buChar char="§"/>
             </a:pPr>
             <a:r>
-              <a:rPr kumimoji="0" lang="en-US" altLang="en-US" sz="1400" b="0" i="0" u="none" strike="noStrike" cap="none" normalizeH="0" baseline="0" dirty="0">
-                <a:ln>
-                  <a:noFill/>
-                </a:ln>
-                <a:solidFill>
-                  <a:srgbClr val="0A0A0A"/>
-                </a:solidFill>
-                <a:effectLst/>
-                <a:latin typeface="Arial Unicode MS" panose="020B0604020202020204" pitchFamily="34" charset="-128"/>
-              </a:rPr>
-              <a:t>Survived</a:t>
-            </a:r>
-            <a:r>
-              <a:rPr kumimoji="0" lang="en-US" altLang="en-US" sz="1400" b="0" i="0" u="none" strike="noStrike" cap="none" normalizeH="0" baseline="0" dirty="0">
-                <a:ln>
-                  <a:noFill/>
-                </a:ln>
-                <a:solidFill>
-                  <a:srgbClr val="0A0A0A"/>
-                </a:solidFill>
-                <a:effectLst/>
-                <a:latin typeface="merriweather"/>
-              </a:rPr>
-              <a:t>— Whether the passenger survived or not and the value we are predicting </a:t>
-            </a:r>
-            <a:r>
-              <a:rPr kumimoji="0" lang="en-US" altLang="en-US" sz="1400" b="0" i="1" u="none" strike="noStrike" cap="none" normalizeH="0" baseline="0" dirty="0">
-                <a:ln>
-                  <a:noFill/>
-                </a:ln>
-                <a:solidFill>
-                  <a:srgbClr val="0A0A0A"/>
-                </a:solidFill>
-                <a:effectLst/>
-                <a:latin typeface="merriweather"/>
-              </a:rPr>
-              <a:t>(0=No, 1=Yes)</a:t>
-            </a:r>
-            <a:endParaRPr kumimoji="0" lang="en-US" altLang="en-US" sz="1400" b="0" i="0" u="none" strike="noStrike" cap="none" normalizeH="0" baseline="0" dirty="0">
-              <a:ln>
-                <a:noFill/>
-              </a:ln>
-              <a:solidFill>
-                <a:srgbClr val="0A0A0A"/>
-              </a:solidFill>
-              <a:effectLst/>
-              <a:latin typeface="merriweather"/>
-            </a:endParaRPr>
-          </a:p>
-          <a:p>
-            <a:pPr marL="0" marR="0" lvl="0" indent="0" algn="l" defTabSz="914400" rtl="0" eaLnBrk="0" fontAlgn="base" latinLnBrk="0" hangingPunct="0">
-              <a:lnSpc>
-                <a:spcPct val="100000"/>
-              </a:lnSpc>
-              <a:spcBef>
-                <a:spcPct val="0"/>
-              </a:spcBef>
-              <a:spcAft>
-                <a:spcPct val="0"/>
-              </a:spcAft>
-              <a:buClrTx/>
-              <a:buSzTx/>
-              <a:buFontTx/>
-              <a:buChar char="•"/>
-              <a:tabLst/>
+              <a:rPr lang="en-US" dirty="0" err="1"/>
+              <a:t>Pclass</a:t>
+            </a:r>
+            <a:r>
+              <a:rPr lang="en-US" dirty="0"/>
+              <a:t>- Passenger class, based on location of their seating arrangement</a:t>
+            </a:r>
+          </a:p>
+          <a:p>
+            <a:pPr marL="285750" indent="-285750">
+              <a:buFont typeface="Wingdings" panose="05000000000000000000" pitchFamily="2" charset="2"/>
+              <a:buChar char="§"/>
             </a:pPr>
             <a:r>
-              <a:rPr kumimoji="0" lang="en-US" altLang="en-US" sz="1400" b="0" i="0" u="none" strike="noStrike" cap="none" normalizeH="0" baseline="0" dirty="0" err="1">
-                <a:ln>
-                  <a:noFill/>
-                </a:ln>
-                <a:solidFill>
-                  <a:srgbClr val="0A0A0A"/>
-                </a:solidFill>
-                <a:effectLst/>
-                <a:latin typeface="Arial Unicode MS" panose="020B0604020202020204" pitchFamily="34" charset="-128"/>
-              </a:rPr>
-              <a:t>Pclass</a:t>
-            </a:r>
-            <a:r>
-              <a:rPr kumimoji="0" lang="en-US" altLang="en-US" sz="1400" b="0" i="0" u="none" strike="noStrike" cap="none" normalizeH="0" baseline="0" dirty="0">
-                <a:ln>
-                  <a:noFill/>
-                </a:ln>
-                <a:solidFill>
-                  <a:srgbClr val="0A0A0A"/>
-                </a:solidFill>
-                <a:effectLst/>
-                <a:latin typeface="merriweather"/>
-              </a:rPr>
-              <a:t>— The class of the ticket the passenger purchased </a:t>
-            </a:r>
-            <a:r>
-              <a:rPr kumimoji="0" lang="en-US" altLang="en-US" sz="1400" b="0" i="1" u="none" strike="noStrike" cap="none" normalizeH="0" baseline="0" dirty="0">
-                <a:ln>
-                  <a:noFill/>
-                </a:ln>
-                <a:solidFill>
-                  <a:srgbClr val="0A0A0A"/>
-                </a:solidFill>
-                <a:effectLst/>
-                <a:latin typeface="merriweather"/>
-              </a:rPr>
-              <a:t>(1=1st, 2=2nd, 3=3rd)</a:t>
-            </a:r>
-            <a:endParaRPr kumimoji="0" lang="en-US" altLang="en-US" sz="1400" b="0" i="0" u="none" strike="noStrike" cap="none" normalizeH="0" baseline="0" dirty="0">
-              <a:ln>
-                <a:noFill/>
-              </a:ln>
-              <a:solidFill>
-                <a:srgbClr val="0A0A0A"/>
-              </a:solidFill>
-              <a:effectLst/>
-              <a:latin typeface="merriweather"/>
-            </a:endParaRPr>
-          </a:p>
-          <a:p>
-            <a:pPr marL="0" marR="0" lvl="0" indent="0" algn="l" defTabSz="914400" rtl="0" eaLnBrk="0" fontAlgn="base" latinLnBrk="0" hangingPunct="0">
-              <a:lnSpc>
-                <a:spcPct val="100000"/>
-              </a:lnSpc>
-              <a:spcBef>
-                <a:spcPct val="0"/>
-              </a:spcBef>
-              <a:spcAft>
-                <a:spcPct val="0"/>
-              </a:spcAft>
-              <a:buClrTx/>
-              <a:buSzTx/>
-              <a:buFontTx/>
-              <a:buChar char="•"/>
-              <a:tabLst/>
+              <a:rPr lang="en-US" dirty="0"/>
+              <a:t>Sex- passenger’s Sex</a:t>
+            </a:r>
+          </a:p>
+          <a:p>
+            <a:pPr marL="285750" indent="-285750">
+              <a:buFont typeface="Wingdings" panose="05000000000000000000" pitchFamily="2" charset="2"/>
+              <a:buChar char="§"/>
             </a:pPr>
             <a:r>
-              <a:rPr kumimoji="0" lang="en-US" altLang="en-US" sz="1400" b="0" i="0" u="none" strike="noStrike" cap="none" normalizeH="0" baseline="0" dirty="0">
-                <a:ln>
-                  <a:noFill/>
-                </a:ln>
-                <a:solidFill>
-                  <a:srgbClr val="0A0A0A"/>
-                </a:solidFill>
-                <a:effectLst/>
-                <a:latin typeface="Arial Unicode MS" panose="020B0604020202020204" pitchFamily="34" charset="-128"/>
-              </a:rPr>
-              <a:t>Sex</a:t>
-            </a:r>
-            <a:r>
-              <a:rPr kumimoji="0" lang="en-US" altLang="en-US" sz="1400" b="0" i="0" u="none" strike="noStrike" cap="none" normalizeH="0" baseline="0" dirty="0">
-                <a:ln>
-                  <a:noFill/>
-                </a:ln>
-                <a:solidFill>
-                  <a:srgbClr val="0A0A0A"/>
-                </a:solidFill>
-                <a:effectLst/>
-                <a:latin typeface="merriweather"/>
-              </a:rPr>
-              <a:t>— The passenger’s sex</a:t>
-            </a:r>
-          </a:p>
-          <a:p>
-            <a:pPr marL="0" marR="0" lvl="0" indent="0" algn="l" defTabSz="914400" rtl="0" eaLnBrk="0" fontAlgn="base" latinLnBrk="0" hangingPunct="0">
-              <a:lnSpc>
-                <a:spcPct val="100000"/>
-              </a:lnSpc>
-              <a:spcBef>
-                <a:spcPct val="0"/>
-              </a:spcBef>
-              <a:spcAft>
-                <a:spcPct val="0"/>
-              </a:spcAft>
-              <a:buClrTx/>
-              <a:buSzTx/>
-              <a:buFontTx/>
-              <a:buChar char="•"/>
-              <a:tabLst/>
+              <a:rPr lang="en-US" dirty="0"/>
+              <a:t>Age- Passenger Age</a:t>
+            </a:r>
+          </a:p>
+          <a:p>
+            <a:pPr marL="285750" indent="-285750">
+              <a:buFont typeface="Wingdings" panose="05000000000000000000" pitchFamily="2" charset="2"/>
+              <a:buChar char="§"/>
             </a:pPr>
             <a:r>
-              <a:rPr kumimoji="0" lang="en-US" altLang="en-US" sz="1400" b="0" i="0" u="none" strike="noStrike" cap="none" normalizeH="0" baseline="0" dirty="0">
-                <a:ln>
-                  <a:noFill/>
-                </a:ln>
-                <a:solidFill>
-                  <a:srgbClr val="0A0A0A"/>
-                </a:solidFill>
-                <a:effectLst/>
-                <a:latin typeface="Arial Unicode MS" panose="020B0604020202020204" pitchFamily="34" charset="-128"/>
-              </a:rPr>
-              <a:t>Age</a:t>
-            </a:r>
-            <a:r>
-              <a:rPr kumimoji="0" lang="en-US" altLang="en-US" sz="1400" b="0" i="0" u="none" strike="noStrike" cap="none" normalizeH="0" baseline="0" dirty="0">
-                <a:ln>
-                  <a:noFill/>
-                </a:ln>
-                <a:solidFill>
-                  <a:srgbClr val="0A0A0A"/>
-                </a:solidFill>
-                <a:effectLst/>
-                <a:latin typeface="merriweather"/>
-              </a:rPr>
-              <a:t>— The passenger’s age in years</a:t>
-            </a:r>
-          </a:p>
-          <a:p>
-            <a:pPr marL="0" marR="0" lvl="0" indent="0" algn="l" defTabSz="914400" rtl="0" eaLnBrk="0" fontAlgn="base" latinLnBrk="0" hangingPunct="0">
-              <a:lnSpc>
-                <a:spcPct val="100000"/>
-              </a:lnSpc>
-              <a:spcBef>
-                <a:spcPct val="0"/>
-              </a:spcBef>
-              <a:spcAft>
-                <a:spcPct val="0"/>
-              </a:spcAft>
-              <a:buClrTx/>
-              <a:buSzTx/>
-              <a:buFontTx/>
-              <a:buChar char="•"/>
-              <a:tabLst/>
+              <a:rPr lang="en-US" dirty="0" err="1"/>
+              <a:t>SibSp</a:t>
+            </a:r>
+            <a:r>
+              <a:rPr lang="en-US" dirty="0"/>
+              <a:t>- No. of Sibling or Spouses, passenger had in titanic</a:t>
+            </a:r>
+          </a:p>
+          <a:p>
+            <a:pPr marL="285750" indent="-285750">
+              <a:buFont typeface="Wingdings" panose="05000000000000000000" pitchFamily="2" charset="2"/>
+              <a:buChar char="§"/>
             </a:pPr>
             <a:r>
-              <a:rPr kumimoji="0" lang="en-US" altLang="en-US" sz="1400" b="0" i="0" u="none" strike="noStrike" cap="none" normalizeH="0" baseline="0" dirty="0" err="1">
-                <a:ln>
-                  <a:noFill/>
-                </a:ln>
-                <a:solidFill>
-                  <a:srgbClr val="0A0A0A"/>
-                </a:solidFill>
-                <a:effectLst/>
-                <a:latin typeface="Arial Unicode MS" panose="020B0604020202020204" pitchFamily="34" charset="-128"/>
-              </a:rPr>
-              <a:t>SibSp</a:t>
-            </a:r>
-            <a:r>
-              <a:rPr kumimoji="0" lang="en-US" altLang="en-US" sz="1400" b="0" i="0" u="none" strike="noStrike" cap="none" normalizeH="0" baseline="0" dirty="0">
-                <a:ln>
-                  <a:noFill/>
-                </a:ln>
-                <a:solidFill>
-                  <a:srgbClr val="0A0A0A"/>
-                </a:solidFill>
-                <a:effectLst/>
-                <a:latin typeface="merriweather"/>
-              </a:rPr>
-              <a:t>— The number of siblings or spouses the passenger had aboard the Titanic</a:t>
-            </a:r>
-          </a:p>
-          <a:p>
-            <a:pPr marL="0" marR="0" lvl="0" indent="0" algn="l" defTabSz="914400" rtl="0" eaLnBrk="0" fontAlgn="base" latinLnBrk="0" hangingPunct="0">
-              <a:lnSpc>
-                <a:spcPct val="100000"/>
-              </a:lnSpc>
-              <a:spcBef>
-                <a:spcPct val="0"/>
-              </a:spcBef>
-              <a:spcAft>
-                <a:spcPct val="0"/>
-              </a:spcAft>
-              <a:buClrTx/>
-              <a:buSzTx/>
-              <a:buFontTx/>
-              <a:buChar char="•"/>
-              <a:tabLst/>
+              <a:rPr lang="en-US" dirty="0"/>
+              <a:t>Parch- No. Of Children or Parents, the passenger had in titanic</a:t>
+            </a:r>
+          </a:p>
+          <a:p>
+            <a:pPr marL="285750" indent="-285750">
+              <a:buFont typeface="Wingdings" panose="05000000000000000000" pitchFamily="2" charset="2"/>
+              <a:buChar char="§"/>
             </a:pPr>
             <a:r>
-              <a:rPr kumimoji="0" lang="en-US" altLang="en-US" sz="1400" b="0" i="0" u="none" strike="noStrike" cap="none" normalizeH="0" baseline="0" dirty="0">
-                <a:ln>
-                  <a:noFill/>
-                </a:ln>
-                <a:solidFill>
-                  <a:srgbClr val="0A0A0A"/>
-                </a:solidFill>
-                <a:effectLst/>
-                <a:latin typeface="Arial Unicode MS" panose="020B0604020202020204" pitchFamily="34" charset="-128"/>
-              </a:rPr>
-              <a:t>Parch</a:t>
-            </a:r>
-            <a:r>
-              <a:rPr kumimoji="0" lang="en-US" altLang="en-US" sz="1400" b="0" i="0" u="none" strike="noStrike" cap="none" normalizeH="0" baseline="0" dirty="0">
-                <a:ln>
-                  <a:noFill/>
-                </a:ln>
-                <a:solidFill>
-                  <a:srgbClr val="0A0A0A"/>
-                </a:solidFill>
-                <a:effectLst/>
-                <a:latin typeface="merriweather"/>
-              </a:rPr>
-              <a:t>— The number of parents or children the passenger had aboard the Titanic</a:t>
-            </a:r>
-          </a:p>
-          <a:p>
-            <a:pPr marL="0" marR="0" lvl="0" indent="0" algn="l" defTabSz="914400" rtl="0" eaLnBrk="0" fontAlgn="base" latinLnBrk="0" hangingPunct="0">
-              <a:lnSpc>
-                <a:spcPct val="100000"/>
-              </a:lnSpc>
-              <a:spcBef>
-                <a:spcPct val="0"/>
-              </a:spcBef>
-              <a:spcAft>
-                <a:spcPct val="0"/>
-              </a:spcAft>
-              <a:buClrTx/>
-              <a:buSzTx/>
-              <a:buFontTx/>
-              <a:buChar char="•"/>
-              <a:tabLst/>
+              <a:rPr lang="en-US" dirty="0"/>
+              <a:t>Ticket- Passengers ticket number</a:t>
+            </a:r>
+          </a:p>
+          <a:p>
+            <a:pPr marL="285750" indent="-285750">
+              <a:buFont typeface="Wingdings" panose="05000000000000000000" pitchFamily="2" charset="2"/>
+              <a:buChar char="§"/>
             </a:pPr>
             <a:r>
-              <a:rPr kumimoji="0" lang="en-US" altLang="en-US" sz="1400" b="0" i="0" u="none" strike="noStrike" cap="none" normalizeH="0" baseline="0" dirty="0">
-                <a:ln>
-                  <a:noFill/>
-                </a:ln>
-                <a:solidFill>
-                  <a:srgbClr val="0A0A0A"/>
-                </a:solidFill>
-                <a:effectLst/>
-                <a:latin typeface="Arial Unicode MS" panose="020B0604020202020204" pitchFamily="34" charset="-128"/>
-              </a:rPr>
-              <a:t>Ticket</a:t>
-            </a:r>
-            <a:r>
-              <a:rPr kumimoji="0" lang="en-US" altLang="en-US" sz="1400" b="0" i="0" u="none" strike="noStrike" cap="none" normalizeH="0" baseline="0" dirty="0">
-                <a:ln>
-                  <a:noFill/>
-                </a:ln>
-                <a:solidFill>
-                  <a:srgbClr val="0A0A0A"/>
-                </a:solidFill>
-                <a:effectLst/>
-                <a:latin typeface="merriweather"/>
-              </a:rPr>
-              <a:t>— The passenger’s ticket number</a:t>
-            </a:r>
-          </a:p>
-          <a:p>
-            <a:pPr marL="0" marR="0" lvl="0" indent="0" algn="l" defTabSz="914400" rtl="0" eaLnBrk="0" fontAlgn="base" latinLnBrk="0" hangingPunct="0">
-              <a:lnSpc>
-                <a:spcPct val="100000"/>
-              </a:lnSpc>
-              <a:spcBef>
-                <a:spcPct val="0"/>
-              </a:spcBef>
-              <a:spcAft>
-                <a:spcPct val="0"/>
-              </a:spcAft>
-              <a:buClrTx/>
-              <a:buSzTx/>
-              <a:buFontTx/>
-              <a:buChar char="•"/>
-              <a:tabLst/>
+              <a:rPr lang="en-US" dirty="0"/>
+              <a:t>Fare- Passenger Paid to buy ticket</a:t>
+            </a:r>
+          </a:p>
+          <a:p>
+            <a:pPr marL="285750" indent="-285750">
+              <a:buFont typeface="Wingdings" panose="05000000000000000000" pitchFamily="2" charset="2"/>
+              <a:buChar char="§"/>
             </a:pPr>
             <a:r>
-              <a:rPr kumimoji="0" lang="en-US" altLang="en-US" sz="1400" b="0" i="0" u="none" strike="noStrike" cap="none" normalizeH="0" baseline="0" dirty="0">
-                <a:ln>
-                  <a:noFill/>
-                </a:ln>
-                <a:solidFill>
-                  <a:srgbClr val="0A0A0A"/>
-                </a:solidFill>
-                <a:effectLst/>
-                <a:latin typeface="Arial Unicode MS" panose="020B0604020202020204" pitchFamily="34" charset="-128"/>
-              </a:rPr>
-              <a:t>Fare</a:t>
-            </a:r>
-            <a:r>
-              <a:rPr kumimoji="0" lang="en-US" altLang="en-US" sz="1400" b="0" i="0" u="none" strike="noStrike" cap="none" normalizeH="0" baseline="0" dirty="0">
-                <a:ln>
-                  <a:noFill/>
-                </a:ln>
-                <a:solidFill>
-                  <a:srgbClr val="0A0A0A"/>
-                </a:solidFill>
-                <a:effectLst/>
-                <a:latin typeface="merriweather"/>
-              </a:rPr>
-              <a:t>— The fare the passenger paid</a:t>
-            </a:r>
-          </a:p>
-          <a:p>
-            <a:pPr marL="0" marR="0" lvl="0" indent="0" algn="l" defTabSz="914400" rtl="0" eaLnBrk="0" fontAlgn="base" latinLnBrk="0" hangingPunct="0">
-              <a:lnSpc>
-                <a:spcPct val="100000"/>
-              </a:lnSpc>
-              <a:spcBef>
-                <a:spcPct val="0"/>
-              </a:spcBef>
-              <a:spcAft>
-                <a:spcPct val="0"/>
-              </a:spcAft>
-              <a:buClrTx/>
-              <a:buSzTx/>
-              <a:buFontTx/>
-              <a:buChar char="•"/>
-              <a:tabLst/>
+              <a:rPr lang="en-US" dirty="0"/>
+              <a:t>Cabin- Passenger’s Cabin Number</a:t>
+            </a:r>
+          </a:p>
+          <a:p>
+            <a:pPr marL="285750" indent="-285750">
+              <a:buFont typeface="Wingdings" panose="05000000000000000000" pitchFamily="2" charset="2"/>
+              <a:buChar char="§"/>
             </a:pPr>
             <a:r>
-              <a:rPr kumimoji="0" lang="en-US" altLang="en-US" sz="1400" b="0" i="0" u="none" strike="noStrike" cap="none" normalizeH="0" baseline="0" dirty="0">
-                <a:ln>
-                  <a:noFill/>
-                </a:ln>
-                <a:solidFill>
-                  <a:srgbClr val="0A0A0A"/>
-                </a:solidFill>
-                <a:effectLst/>
-                <a:latin typeface="Arial Unicode MS" panose="020B0604020202020204" pitchFamily="34" charset="-128"/>
-              </a:rPr>
-              <a:t>Cabin</a:t>
-            </a:r>
-            <a:r>
-              <a:rPr kumimoji="0" lang="en-US" altLang="en-US" sz="1400" b="0" i="0" u="none" strike="noStrike" cap="none" normalizeH="0" baseline="0" dirty="0">
-                <a:ln>
-                  <a:noFill/>
-                </a:ln>
-                <a:solidFill>
-                  <a:srgbClr val="0A0A0A"/>
-                </a:solidFill>
-                <a:effectLst/>
-                <a:latin typeface="merriweather"/>
-              </a:rPr>
-              <a:t>— The passenger’s cabin number</a:t>
-            </a:r>
-          </a:p>
-          <a:p>
-            <a:pPr marL="0" marR="0" lvl="0" indent="0" algn="l" defTabSz="914400" rtl="0" eaLnBrk="0" fontAlgn="base" latinLnBrk="0" hangingPunct="0">
-              <a:lnSpc>
-                <a:spcPct val="100000"/>
-              </a:lnSpc>
-              <a:spcBef>
-                <a:spcPct val="0"/>
-              </a:spcBef>
-              <a:spcAft>
-                <a:spcPct val="0"/>
-              </a:spcAft>
-              <a:buClrTx/>
-              <a:buSzTx/>
-              <a:buFontTx/>
-              <a:buChar char="•"/>
-              <a:tabLst/>
-            </a:pPr>
-            <a:r>
-              <a:rPr kumimoji="0" lang="en-US" altLang="en-US" sz="1400" b="0" i="0" u="none" strike="noStrike" cap="none" normalizeH="0" baseline="0" dirty="0">
-                <a:ln>
-                  <a:noFill/>
-                </a:ln>
-                <a:solidFill>
-                  <a:srgbClr val="0A0A0A"/>
-                </a:solidFill>
-                <a:effectLst/>
-                <a:latin typeface="Arial Unicode MS" panose="020B0604020202020204" pitchFamily="34" charset="-128"/>
-              </a:rPr>
-              <a:t>Embarked</a:t>
-            </a:r>
-            <a:r>
-              <a:rPr kumimoji="0" lang="en-US" altLang="en-US" sz="1400" b="0" i="0" u="none" strike="noStrike" cap="none" normalizeH="0" baseline="0" dirty="0">
-                <a:ln>
-                  <a:noFill/>
-                </a:ln>
-                <a:solidFill>
-                  <a:srgbClr val="0A0A0A"/>
-                </a:solidFill>
-                <a:effectLst/>
-                <a:latin typeface="merriweather"/>
-              </a:rPr>
-              <a:t>— The port where the passenger embarked </a:t>
-            </a:r>
-            <a:r>
-              <a:rPr kumimoji="0" lang="en-US" altLang="en-US" sz="1400" b="0" i="1" u="none" strike="noStrike" cap="none" normalizeH="0" baseline="0" dirty="0">
-                <a:ln>
-                  <a:noFill/>
-                </a:ln>
-                <a:solidFill>
-                  <a:srgbClr val="0A0A0A"/>
-                </a:solidFill>
-                <a:effectLst/>
-                <a:latin typeface="merriweather"/>
-              </a:rPr>
-              <a:t>(C=</a:t>
-            </a:r>
-            <a:r>
-              <a:rPr kumimoji="0" lang="en-US" altLang="en-US" sz="1400" b="0" i="1" u="none" strike="noStrike" cap="none" normalizeH="0" baseline="0" dirty="0" err="1">
-                <a:ln>
-                  <a:noFill/>
-                </a:ln>
-                <a:solidFill>
-                  <a:srgbClr val="0A0A0A"/>
-                </a:solidFill>
-                <a:effectLst/>
-                <a:latin typeface="merriweather"/>
-              </a:rPr>
+              <a:rPr lang="en-US" dirty="0"/>
+              <a:t>Embarked- Port where the passenger embarked(C=</a:t>
+            </a:r>
+            <a:r>
+              <a:rPr lang="en-US" dirty="0" err="1"/>
               <a:t>Cherbour</a:t>
             </a:r>
             <a:r>
-              <a:rPr kumimoji="0" lang="en-US" altLang="en-US" sz="1400" b="0" i="1" u="none" strike="noStrike" cap="none" normalizeH="0" baseline="0" dirty="0">
-                <a:ln>
-                  <a:noFill/>
-                </a:ln>
-                <a:solidFill>
-                  <a:srgbClr val="0A0A0A"/>
-                </a:solidFill>
-                <a:effectLst/>
-                <a:latin typeface="merriweather"/>
-              </a:rPr>
-              <a:t>, Q=Queenstown, S=Southampton)</a:t>
-            </a:r>
-            <a:endParaRPr kumimoji="0" lang="en-US" altLang="en-US" sz="1400" b="0" i="0" u="none" strike="noStrike" cap="none" normalizeH="0" baseline="0" dirty="0">
-              <a:ln>
-                <a:noFill/>
-              </a:ln>
-              <a:solidFill>
-                <a:srgbClr val="0A0A0A"/>
-              </a:solidFill>
-              <a:effectLst/>
-              <a:latin typeface="merriweather"/>
-            </a:endParaRPr>
-          </a:p>
-          <a:p>
-            <a:pPr marL="0" marR="0" lvl="0" indent="0" algn="l" defTabSz="914400" rtl="0" eaLnBrk="0" fontAlgn="base" latinLnBrk="0" hangingPunct="0">
-              <a:lnSpc>
-                <a:spcPct val="100000"/>
-              </a:lnSpc>
-              <a:spcBef>
-                <a:spcPct val="0"/>
-              </a:spcBef>
-              <a:spcAft>
-                <a:spcPct val="0"/>
-              </a:spcAft>
-              <a:buClrTx/>
-              <a:buSzTx/>
-              <a:buFontTx/>
-              <a:buNone/>
-              <a:tabLst/>
-            </a:pPr>
-            <a:endParaRPr kumimoji="0" lang="en-US" altLang="en-US" sz="1400" b="0" i="0" u="none" strike="noStrike" cap="none" normalizeH="0" baseline="0" dirty="0">
-              <a:ln>
-                <a:noFill/>
-              </a:ln>
-              <a:solidFill>
-                <a:schemeClr val="tx1"/>
-              </a:solidFill>
-              <a:effectLst/>
-              <a:latin typeface="Arial" panose="020B0604020202020204" pitchFamily="34" charset="0"/>
-            </a:endParaRPr>
+              <a:rPr lang="en-US" dirty="0"/>
+              <a:t>, Q=Queenstown, S-Southampton)</a:t>
+            </a:r>
           </a:p>
         </p:txBody>
       </p:sp>
     </p:spTree>
     <p:extLst>
       <p:ext uri="{BB962C8B-B14F-4D97-AF65-F5344CB8AC3E}">
-        <p14:creationId xmlns:p14="http://schemas.microsoft.com/office/powerpoint/2010/main" val="1994509218"/>
+        <p14:creationId xmlns:p14="http://schemas.microsoft.com/office/powerpoint/2010/main" val="1106241596"/>
       </p:ext>
     </p:extLst>
   </p:cSld>
@@ -12121,10 +12210,10 @@
       </p:sp>
       <p:pic>
         <p:nvPicPr>
-          <p:cNvPr id="5" name="Picture 4">
+          <p:cNvPr id="6" name="Picture 5">
             <a:extLst>
               <a:ext uri="{FF2B5EF4-FFF2-40B4-BE49-F238E27FC236}">
-                <a16:creationId xmlns:a16="http://schemas.microsoft.com/office/drawing/2014/main" id="{54B4D4F2-72F9-4F15-BA57-7EEFC6F6D796}"/>
+                <a16:creationId xmlns:a16="http://schemas.microsoft.com/office/drawing/2014/main" id="{C499E36F-4B96-417E-BE39-BAE9408A0B81}"/>
               </a:ext>
             </a:extLst>
           </p:cNvPr>
@@ -12147,12 +12236,42 @@
         </p:blipFill>
         <p:spPr>
           <a:xfrm>
-            <a:off x="4736987" y="751562"/>
-            <a:ext cx="7317227" cy="5487920"/>
+            <a:off x="5423336" y="1390390"/>
+            <a:ext cx="6330088" cy="4747566"/>
           </a:xfrm>
           <a:prstGeom prst="rect">
             <a:avLst/>
           </a:prstGeom>
+          <a:solidFill>
+            <a:srgbClr val="FFFFFF">
+              <a:shade val="85000"/>
+            </a:srgbClr>
+          </a:solidFill>
+          <a:ln w="88900" cap="sq">
+            <a:solidFill>
+              <a:srgbClr val="FFFFFF"/>
+            </a:solidFill>
+            <a:miter lim="800000"/>
+          </a:ln>
+          <a:effectLst>
+            <a:outerShdw blurRad="55000" dist="18000" dir="5400000" algn="tl" rotWithShape="0">
+              <a:srgbClr val="000000">
+                <a:alpha val="40000"/>
+              </a:srgbClr>
+            </a:outerShdw>
+          </a:effectLst>
+          <a:scene3d>
+            <a:camera prst="orthographicFront"/>
+            <a:lightRig rig="twoPt" dir="t">
+              <a:rot lat="0" lon="0" rev="7200000"/>
+            </a:lightRig>
+          </a:scene3d>
+          <a:sp3d>
+            <a:bevelT w="25400" h="19050"/>
+            <a:contourClr>
+              <a:srgbClr val="FFFFFF"/>
+            </a:contourClr>
+          </a:sp3d>
         </p:spPr>
       </p:pic>
     </p:spTree>
@@ -12220,21 +12339,54 @@
           </a:p>
         </p:txBody>
       </p:sp>
+      <p:sp>
+        <p:nvSpPr>
+          <p:cNvPr id="10" name="TextBox 9">
+            <a:extLst>
+              <a:ext uri="{FF2B5EF4-FFF2-40B4-BE49-F238E27FC236}">
+                <a16:creationId xmlns:a16="http://schemas.microsoft.com/office/drawing/2014/main" id="{8E64684A-8B87-4130-B06D-035026804AC3}"/>
+              </a:ext>
+            </a:extLst>
+          </p:cNvPr>
+          <p:cNvSpPr txBox="1"/>
+          <p:nvPr/>
+        </p:nvSpPr>
+        <p:spPr>
+          <a:xfrm>
+            <a:off x="312526" y="2782669"/>
+            <a:ext cx="4434837" cy="1384995"/>
+          </a:xfrm>
+          <a:prstGeom prst="rect">
+            <a:avLst/>
+          </a:prstGeom>
+          <a:noFill/>
+        </p:spPr>
+        <p:txBody>
+          <a:bodyPr wrap="square" rtlCol="0">
+            <a:spAutoFit/>
+          </a:bodyPr>
+          <a:lstStyle/>
+          <a:p>
+            <a:r>
+              <a:rPr lang="en-US" sz="2800" dirty="0"/>
+              <a:t>Age Group between 25 to 35 reaches the peak per the chart</a:t>
+            </a:r>
+          </a:p>
+        </p:txBody>
+      </p:sp>
       <p:pic>
         <p:nvPicPr>
-          <p:cNvPr id="9" name="Content Placeholder 8">
+          <p:cNvPr id="7" name="Content Placeholder 5">
             <a:extLst>
               <a:ext uri="{FF2B5EF4-FFF2-40B4-BE49-F238E27FC236}">
-                <a16:creationId xmlns:a16="http://schemas.microsoft.com/office/drawing/2014/main" id="{C378658E-90D8-49C9-BC43-2EB393190D3B}"/>
+                <a16:creationId xmlns:a16="http://schemas.microsoft.com/office/drawing/2014/main" id="{8E650610-87EA-4CE2-8AC6-D6A81C454734}"/>
               </a:ext>
             </a:extLst>
           </p:cNvPr>
           <p:cNvPicPr>
-            <a:picLocks noGrp="1" noChangeAspect="1"/>
+            <a:picLocks noChangeAspect="1"/>
           </p:cNvPicPr>
-          <p:nvPr>
-            <p:ph idx="1"/>
-          </p:nvPr>
+          <p:nvPr/>
         </p:nvPicPr>
         <p:blipFill>
           <a:blip r:embed="rId2">
@@ -12250,46 +12402,44 @@
         </p:blipFill>
         <p:spPr>
           <a:xfrm>
-            <a:off x="4960306" y="2214694"/>
-            <a:ext cx="7139835" cy="4436627"/>
-          </a:xfrm>
-        </p:spPr>
-      </p:pic>
-      <p:sp>
-        <p:nvSpPr>
-          <p:cNvPr id="10" name="TextBox 9">
-            <a:extLst>
-              <a:ext uri="{FF2B5EF4-FFF2-40B4-BE49-F238E27FC236}">
-                <a16:creationId xmlns:a16="http://schemas.microsoft.com/office/drawing/2014/main" id="{8E64684A-8B87-4130-B06D-035026804AC3}"/>
-              </a:ext>
-            </a:extLst>
-          </p:cNvPr>
-          <p:cNvSpPr txBox="1"/>
-          <p:nvPr/>
-        </p:nvSpPr>
-        <p:spPr>
-          <a:xfrm>
-            <a:off x="312526" y="2782669"/>
-            <a:ext cx="4434837" cy="1384995"/>
+            <a:off x="5088835" y="1903136"/>
+            <a:ext cx="6189390" cy="4762707"/>
           </a:xfrm>
           <a:prstGeom prst="rect">
             <a:avLst/>
           </a:prstGeom>
-          <a:noFill/>
+          <a:solidFill>
+            <a:srgbClr val="FFFFFF">
+              <a:shade val="85000"/>
+            </a:srgbClr>
+          </a:solidFill>
+          <a:ln w="88900" cap="sq">
+            <a:solidFill>
+              <a:srgbClr val="FFFFFF"/>
+            </a:solidFill>
+            <a:miter lim="800000"/>
+          </a:ln>
+          <a:effectLst>
+            <a:outerShdw blurRad="55000" dist="18000" dir="5400000" algn="tl" rotWithShape="0">
+              <a:srgbClr val="000000">
+                <a:alpha val="40000"/>
+              </a:srgbClr>
+            </a:outerShdw>
+          </a:effectLst>
+          <a:scene3d>
+            <a:camera prst="orthographicFront"/>
+            <a:lightRig rig="twoPt" dir="t">
+              <a:rot lat="0" lon="0" rev="7200000"/>
+            </a:lightRig>
+          </a:scene3d>
+          <a:sp3d>
+            <a:bevelT w="25400" h="19050"/>
+            <a:contourClr>
+              <a:srgbClr val="FFFFFF"/>
+            </a:contourClr>
+          </a:sp3d>
         </p:spPr>
-        <p:txBody>
-          <a:bodyPr wrap="square" rtlCol="0">
-            <a:spAutoFit/>
-          </a:bodyPr>
-          <a:lstStyle/>
-          <a:p>
-            <a:r>
-              <a:rPr lang="en-US" sz="2800" dirty="0"/>
-              <a:t>Age Group between 25 to 35 reaches the peak per the chart</a:t>
-            </a:r>
-          </a:p>
-        </p:txBody>
-      </p:sp>
+      </p:pic>
     </p:spTree>
     <p:extLst>
       <p:ext uri="{BB962C8B-B14F-4D97-AF65-F5344CB8AC3E}">
@@ -12392,10 +12542,10 @@
       </p:sp>
       <p:pic>
         <p:nvPicPr>
-          <p:cNvPr id="5" name="Picture 4">
+          <p:cNvPr id="6" name="Picture 5">
             <a:extLst>
               <a:ext uri="{FF2B5EF4-FFF2-40B4-BE49-F238E27FC236}">
-                <a16:creationId xmlns:a16="http://schemas.microsoft.com/office/drawing/2014/main" id="{152F9E98-3AE9-499E-A73F-937E2D7C9C9F}"/>
+                <a16:creationId xmlns:a16="http://schemas.microsoft.com/office/drawing/2014/main" id="{E2BC0CF9-D55D-4193-A9BF-F20053BBF0D8}"/>
               </a:ext>
             </a:extLst>
           </p:cNvPr>
@@ -12418,12 +12568,42 @@
         </p:blipFill>
         <p:spPr>
           <a:xfrm>
-            <a:off x="5999967" y="1767627"/>
-            <a:ext cx="5833697" cy="4623038"/>
+            <a:off x="6096000" y="1938068"/>
+            <a:ext cx="5372621" cy="4301415"/>
           </a:xfrm>
           <a:prstGeom prst="rect">
             <a:avLst/>
           </a:prstGeom>
+          <a:solidFill>
+            <a:srgbClr val="FFFFFF">
+              <a:shade val="85000"/>
+            </a:srgbClr>
+          </a:solidFill>
+          <a:ln w="88900" cap="sq">
+            <a:solidFill>
+              <a:srgbClr val="FFFFFF"/>
+            </a:solidFill>
+            <a:miter lim="800000"/>
+          </a:ln>
+          <a:effectLst>
+            <a:outerShdw blurRad="55000" dist="18000" dir="5400000" algn="tl" rotWithShape="0">
+              <a:srgbClr val="000000">
+                <a:alpha val="40000"/>
+              </a:srgbClr>
+            </a:outerShdw>
+          </a:effectLst>
+          <a:scene3d>
+            <a:camera prst="orthographicFront"/>
+            <a:lightRig rig="twoPt" dir="t">
+              <a:rot lat="0" lon="0" rev="7200000"/>
+            </a:lightRig>
+          </a:scene3d>
+          <a:sp3d>
+            <a:bevelT w="25400" h="19050"/>
+            <a:contourClr>
+              <a:srgbClr val="FFFFFF"/>
+            </a:contourClr>
+          </a:sp3d>
         </p:spPr>
       </p:pic>
     </p:spTree>
@@ -12544,10 +12724,10 @@
       </p:sp>
       <p:pic>
         <p:nvPicPr>
-          <p:cNvPr id="5" name="Picture 4">
+          <p:cNvPr id="6" name="Picture 5">
             <a:extLst>
               <a:ext uri="{FF2B5EF4-FFF2-40B4-BE49-F238E27FC236}">
-                <a16:creationId xmlns:a16="http://schemas.microsoft.com/office/drawing/2014/main" id="{E6A7E9D1-C87F-4D09-8A20-BD94BCC849D4}"/>
+                <a16:creationId xmlns:a16="http://schemas.microsoft.com/office/drawing/2014/main" id="{63274513-CE96-4ED7-92B2-7C9322B5D01B}"/>
               </a:ext>
             </a:extLst>
           </p:cNvPr>
@@ -12570,12 +12750,42 @@
         </p:blipFill>
         <p:spPr>
           <a:xfrm>
-            <a:off x="5849654" y="1828800"/>
-            <a:ext cx="5837129" cy="4734838"/>
+            <a:off x="5077326" y="2139234"/>
+            <a:ext cx="6609457" cy="4424404"/>
           </a:xfrm>
           <a:prstGeom prst="rect">
             <a:avLst/>
           </a:prstGeom>
+          <a:solidFill>
+            <a:srgbClr val="FFFFFF">
+              <a:shade val="85000"/>
+            </a:srgbClr>
+          </a:solidFill>
+          <a:ln w="88900" cap="sq">
+            <a:solidFill>
+              <a:srgbClr val="FFFFFF"/>
+            </a:solidFill>
+            <a:miter lim="800000"/>
+          </a:ln>
+          <a:effectLst>
+            <a:outerShdw blurRad="55000" dist="18000" dir="5400000" algn="tl" rotWithShape="0">
+              <a:srgbClr val="000000">
+                <a:alpha val="40000"/>
+              </a:srgbClr>
+            </a:outerShdw>
+          </a:effectLst>
+          <a:scene3d>
+            <a:camera prst="orthographicFront"/>
+            <a:lightRig rig="twoPt" dir="t">
+              <a:rot lat="0" lon="0" rev="7200000"/>
+            </a:lightRig>
+          </a:scene3d>
+          <a:sp3d>
+            <a:bevelT w="25400" h="19050"/>
+            <a:contourClr>
+              <a:srgbClr val="FFFFFF"/>
+            </a:contourClr>
+          </a:sp3d>
         </p:spPr>
       </p:pic>
     </p:spTree>

--- a/PPT.pptx
+++ b/PPT.pptx
@@ -5,30 +5,31 @@
     <p:sldMasterId id="2147483672" r:id="rId1"/>
   </p:sldMasterIdLst>
   <p:notesMasterIdLst>
-    <p:notesMasterId r:id="rId23"/>
+    <p:notesMasterId r:id="rId24"/>
   </p:notesMasterIdLst>
   <p:sldIdLst>
     <p:sldId id="256" r:id="rId2"/>
     <p:sldId id="266" r:id="rId3"/>
     <p:sldId id="267" r:id="rId4"/>
     <p:sldId id="286" r:id="rId5"/>
-    <p:sldId id="287" r:id="rId6"/>
-    <p:sldId id="268" r:id="rId7"/>
-    <p:sldId id="269" r:id="rId8"/>
-    <p:sldId id="270" r:id="rId9"/>
-    <p:sldId id="271" r:id="rId10"/>
-    <p:sldId id="272" r:id="rId11"/>
-    <p:sldId id="273" r:id="rId12"/>
-    <p:sldId id="274" r:id="rId13"/>
-    <p:sldId id="275" r:id="rId14"/>
-    <p:sldId id="276" r:id="rId15"/>
-    <p:sldId id="277" r:id="rId16"/>
-    <p:sldId id="284" r:id="rId17"/>
-    <p:sldId id="280" r:id="rId18"/>
-    <p:sldId id="281" r:id="rId19"/>
-    <p:sldId id="282" r:id="rId20"/>
-    <p:sldId id="283" r:id="rId21"/>
-    <p:sldId id="278" r:id="rId22"/>
+    <p:sldId id="288" r:id="rId6"/>
+    <p:sldId id="287" r:id="rId7"/>
+    <p:sldId id="268" r:id="rId8"/>
+    <p:sldId id="269" r:id="rId9"/>
+    <p:sldId id="270" r:id="rId10"/>
+    <p:sldId id="271" r:id="rId11"/>
+    <p:sldId id="272" r:id="rId12"/>
+    <p:sldId id="273" r:id="rId13"/>
+    <p:sldId id="274" r:id="rId14"/>
+    <p:sldId id="275" r:id="rId15"/>
+    <p:sldId id="276" r:id="rId16"/>
+    <p:sldId id="277" r:id="rId17"/>
+    <p:sldId id="284" r:id="rId18"/>
+    <p:sldId id="280" r:id="rId19"/>
+    <p:sldId id="281" r:id="rId20"/>
+    <p:sldId id="282" r:id="rId21"/>
+    <p:sldId id="283" r:id="rId22"/>
+    <p:sldId id="278" r:id="rId23"/>
   </p:sldIdLst>
   <p:sldSz cx="12192000" cy="6858000"/>
   <p:notesSz cx="6858000" cy="9144000"/>
@@ -136,6 +137,7 @@
             <p14:sldId id="266"/>
             <p14:sldId id="267"/>
             <p14:sldId id="286"/>
+            <p14:sldId id="288"/>
             <p14:sldId id="287"/>
             <p14:sldId id="268"/>
             <p14:sldId id="269"/>
@@ -760,7 +762,7 @@
           <a:p>
             <a:fld id="{F5AC85E0-EC59-4534-93EA-2509047A4765}" type="slidenum">
               <a:rPr lang="en-US" smtClean="0"/>
-              <a:t>19</a:t>
+              <a:t>20</a:t>
             </a:fld>
             <a:endParaRPr lang="en-US"/>
           </a:p>
@@ -7144,6 +7146,188 @@
           <p:cNvPr id="2" name="Title 1">
             <a:extLst>
               <a:ext uri="{FF2B5EF4-FFF2-40B4-BE49-F238E27FC236}">
+                <a16:creationId xmlns:a16="http://schemas.microsoft.com/office/drawing/2014/main" id="{15B752D6-C077-4B79-A6D4-BD62E37D7BBB}"/>
+              </a:ext>
+            </a:extLst>
+          </p:cNvPr>
+          <p:cNvSpPr>
+            <a:spLocks noGrp="1"/>
+          </p:cNvSpPr>
+          <p:nvPr>
+            <p:ph type="title"/>
+          </p:nvPr>
+        </p:nvSpPr>
+        <p:spPr/>
+        <p:txBody>
+          <a:bodyPr/>
+          <a:lstStyle/>
+          <a:p>
+            <a:r>
+              <a:rPr lang="en-US" dirty="0"/>
+              <a:t>2. Fare Analysis</a:t>
+            </a:r>
+            <a:br>
+              <a:rPr lang="en-US" dirty="0"/>
+            </a:br>
+            <a:r>
+              <a:rPr lang="en-US" dirty="0"/>
+              <a:t>Survival Per Age Group Depending on Fare</a:t>
+            </a:r>
+          </a:p>
+        </p:txBody>
+      </p:sp>
+      <p:sp>
+        <p:nvSpPr>
+          <p:cNvPr id="3" name="Content Placeholder 2">
+            <a:extLst>
+              <a:ext uri="{FF2B5EF4-FFF2-40B4-BE49-F238E27FC236}">
+                <a16:creationId xmlns:a16="http://schemas.microsoft.com/office/drawing/2014/main" id="{5040AA0C-4B89-42EB-A81F-0B1F58B38780}"/>
+              </a:ext>
+            </a:extLst>
+          </p:cNvPr>
+          <p:cNvSpPr>
+            <a:spLocks noGrp="1"/>
+          </p:cNvSpPr>
+          <p:nvPr>
+            <p:ph idx="1"/>
+          </p:nvPr>
+        </p:nvSpPr>
+        <p:spPr>
+          <a:xfrm>
+            <a:off x="913775" y="2367093"/>
+            <a:ext cx="4484943" cy="3424107"/>
+          </a:xfrm>
+        </p:spPr>
+        <p:txBody>
+          <a:bodyPr/>
+          <a:lstStyle/>
+          <a:p>
+            <a:r>
+              <a:rPr lang="en-US" dirty="0"/>
+              <a:t>Red- Dead</a:t>
+            </a:r>
+          </a:p>
+          <a:p>
+            <a:r>
+              <a:rPr lang="en-US" dirty="0"/>
+              <a:t>Green- Survived</a:t>
+            </a:r>
+          </a:p>
+          <a:p>
+            <a:r>
+              <a:rPr lang="en-US" dirty="0"/>
+              <a:t>Bigger Circle- More Price</a:t>
+            </a:r>
+          </a:p>
+          <a:p>
+            <a:r>
+              <a:rPr lang="en-US" dirty="0"/>
+              <a:t>More Price Better chance of Survival, highest fare group is between 30-40, only 2.</a:t>
+            </a:r>
+          </a:p>
+        </p:txBody>
+      </p:sp>
+      <p:pic>
+        <p:nvPicPr>
+          <p:cNvPr id="6" name="Picture 5">
+            <a:extLst>
+              <a:ext uri="{FF2B5EF4-FFF2-40B4-BE49-F238E27FC236}">
+                <a16:creationId xmlns:a16="http://schemas.microsoft.com/office/drawing/2014/main" id="{63274513-CE96-4ED7-92B2-7C9322B5D01B}"/>
+              </a:ext>
+            </a:extLst>
+          </p:cNvPr>
+          <p:cNvPicPr>
+            <a:picLocks noChangeAspect="1"/>
+          </p:cNvPicPr>
+          <p:nvPr/>
+        </p:nvPicPr>
+        <p:blipFill>
+          <a:blip r:embed="rId2">
+            <a:extLst>
+              <a:ext uri="{28A0092B-C50C-407E-A947-70E740481C1C}">
+                <a14:useLocalDpi xmlns:a14="http://schemas.microsoft.com/office/drawing/2010/main" val="0"/>
+              </a:ext>
+            </a:extLst>
+          </a:blip>
+          <a:stretch>
+            <a:fillRect/>
+          </a:stretch>
+        </p:blipFill>
+        <p:spPr>
+          <a:xfrm>
+            <a:off x="5077326" y="2139234"/>
+            <a:ext cx="6609457" cy="4424404"/>
+          </a:xfrm>
+          <a:prstGeom prst="rect">
+            <a:avLst/>
+          </a:prstGeom>
+          <a:solidFill>
+            <a:srgbClr val="FFFFFF">
+              <a:shade val="85000"/>
+            </a:srgbClr>
+          </a:solidFill>
+          <a:ln w="88900" cap="sq">
+            <a:solidFill>
+              <a:srgbClr val="FFFFFF"/>
+            </a:solidFill>
+            <a:miter lim="800000"/>
+          </a:ln>
+          <a:effectLst>
+            <a:outerShdw blurRad="55000" dist="18000" dir="5400000" algn="tl" rotWithShape="0">
+              <a:srgbClr val="000000">
+                <a:alpha val="40000"/>
+              </a:srgbClr>
+            </a:outerShdw>
+          </a:effectLst>
+          <a:scene3d>
+            <a:camera prst="orthographicFront"/>
+            <a:lightRig rig="twoPt" dir="t">
+              <a:rot lat="0" lon="0" rev="7200000"/>
+            </a:lightRig>
+          </a:scene3d>
+          <a:sp3d>
+            <a:bevelT w="25400" h="19050"/>
+            <a:contourClr>
+              <a:srgbClr val="FFFFFF"/>
+            </a:contourClr>
+          </a:sp3d>
+        </p:spPr>
+      </p:pic>
+    </p:spTree>
+    <p:extLst>
+      <p:ext uri="{BB962C8B-B14F-4D97-AF65-F5344CB8AC3E}">
+        <p14:creationId xmlns:p14="http://schemas.microsoft.com/office/powerpoint/2010/main" val="3556598133"/>
+      </p:ext>
+    </p:extLst>
+  </p:cSld>
+  <p:clrMapOvr>
+    <a:masterClrMapping/>
+  </p:clrMapOvr>
+</p:sld>
+</file>
+
+<file path=ppt/slides/slide11.xml><?xml version="1.0" encoding="utf-8"?>
+<p:sld xmlns:a="http://schemas.openxmlformats.org/drawingml/2006/main" xmlns:r="http://schemas.openxmlformats.org/officeDocument/2006/relationships" xmlns:p="http://schemas.openxmlformats.org/presentationml/2006/main">
+  <p:cSld>
+    <p:spTree>
+      <p:nvGrpSpPr>
+        <p:cNvPr id="1" name=""/>
+        <p:cNvGrpSpPr/>
+        <p:nvPr/>
+      </p:nvGrpSpPr>
+      <p:grpSpPr>
+        <a:xfrm>
+          <a:off x="0" y="0"/>
+          <a:ext cx="0" cy="0"/>
+          <a:chOff x="0" y="0"/>
+          <a:chExt cx="0" cy="0"/>
+        </a:xfrm>
+      </p:grpSpPr>
+      <p:sp>
+        <p:nvSpPr>
+          <p:cNvPr id="2" name="Title 1">
+            <a:extLst>
+              <a:ext uri="{FF2B5EF4-FFF2-40B4-BE49-F238E27FC236}">
                 <a16:creationId xmlns:a16="http://schemas.microsoft.com/office/drawing/2014/main" id="{F2DC78A8-E3A3-4A25-A087-57E78AFC9728}"/>
               </a:ext>
             </a:extLst>
@@ -7295,7 +7479,7 @@
 </p:sld>
 </file>
 
-<file path=ppt/slides/slide11.xml><?xml version="1.0" encoding="utf-8"?>
+<file path=ppt/slides/slide12.xml><?xml version="1.0" encoding="utf-8"?>
 <p:sld xmlns:a="http://schemas.openxmlformats.org/drawingml/2006/main" xmlns:r="http://schemas.openxmlformats.org/officeDocument/2006/relationships" xmlns:p="http://schemas.openxmlformats.org/presentationml/2006/main">
   <p:cSld>
     <p:spTree>
@@ -7471,7 +7655,7 @@
 </p:sld>
 </file>
 
-<file path=ppt/slides/slide12.xml><?xml version="1.0" encoding="utf-8"?>
+<file path=ppt/slides/slide13.xml><?xml version="1.0" encoding="utf-8"?>
 <p:sld xmlns:a="http://schemas.openxmlformats.org/drawingml/2006/main" xmlns:r="http://schemas.openxmlformats.org/officeDocument/2006/relationships" xmlns:p="http://schemas.openxmlformats.org/presentationml/2006/main">
   <p:cSld>
     <p:spTree>
@@ -7688,7 +7872,7 @@
 </p:sld>
 </file>
 
-<file path=ppt/slides/slide13.xml><?xml version="1.0" encoding="utf-8"?>
+<file path=ppt/slides/slide14.xml><?xml version="1.0" encoding="utf-8"?>
 <p:sld xmlns:a="http://schemas.openxmlformats.org/drawingml/2006/main" xmlns:r="http://schemas.openxmlformats.org/officeDocument/2006/relationships" xmlns:p="http://schemas.openxmlformats.org/presentationml/2006/main">
   <p:cSld>
     <p:spTree>
@@ -7968,7 +8152,7 @@
 </p:sld>
 </file>
 
-<file path=ppt/slides/slide14.xml><?xml version="1.0" encoding="utf-8"?>
+<file path=ppt/slides/slide15.xml><?xml version="1.0" encoding="utf-8"?>
 <p:sld xmlns:a="http://schemas.openxmlformats.org/drawingml/2006/main" xmlns:r="http://schemas.openxmlformats.org/officeDocument/2006/relationships" xmlns:p="http://schemas.openxmlformats.org/presentationml/2006/main">
   <p:cSld>
     <p:spTree>
@@ -8149,7 +8333,7 @@
 </p:sld>
 </file>
 
-<file path=ppt/slides/slide15.xml><?xml version="1.0" encoding="utf-8"?>
+<file path=ppt/slides/slide16.xml><?xml version="1.0" encoding="utf-8"?>
 <p:sld xmlns:a="http://schemas.openxmlformats.org/drawingml/2006/main" xmlns:r="http://schemas.openxmlformats.org/officeDocument/2006/relationships" xmlns:p="http://schemas.openxmlformats.org/presentationml/2006/main">
   <p:cSld>
     <p:spTree>
@@ -8458,130 +8642,6 @@
 </p:sld>
 </file>
 
-<file path=ppt/slides/slide16.xml><?xml version="1.0" encoding="utf-8"?>
-<p:sld xmlns:a="http://schemas.openxmlformats.org/drawingml/2006/main" xmlns:r="http://schemas.openxmlformats.org/officeDocument/2006/relationships" xmlns:p="http://schemas.openxmlformats.org/presentationml/2006/main">
-  <p:cSld>
-    <p:spTree>
-      <p:nvGrpSpPr>
-        <p:cNvPr id="1" name=""/>
-        <p:cNvGrpSpPr/>
-        <p:nvPr/>
-      </p:nvGrpSpPr>
-      <p:grpSpPr>
-        <a:xfrm>
-          <a:off x="0" y="0"/>
-          <a:ext cx="0" cy="0"/>
-          <a:chOff x="0" y="0"/>
-          <a:chExt cx="0" cy="0"/>
-        </a:xfrm>
-      </p:grpSpPr>
-      <p:sp>
-        <p:nvSpPr>
-          <p:cNvPr id="2" name="Title 1">
-            <a:extLst>
-              <a:ext uri="{FF2B5EF4-FFF2-40B4-BE49-F238E27FC236}">
-                <a16:creationId xmlns:a16="http://schemas.microsoft.com/office/drawing/2014/main" id="{70366522-0C19-46C0-B0C7-25FF67153752}"/>
-              </a:ext>
-            </a:extLst>
-          </p:cNvPr>
-          <p:cNvSpPr>
-            <a:spLocks noGrp="1"/>
-          </p:cNvSpPr>
-          <p:nvPr>
-            <p:ph type="title"/>
-          </p:nvPr>
-        </p:nvSpPr>
-        <p:spPr/>
-        <p:txBody>
-          <a:bodyPr/>
-          <a:lstStyle/>
-          <a:p>
-            <a:r>
-              <a:rPr lang="en-US" dirty="0"/>
-              <a:t>Correlation</a:t>
-            </a:r>
-          </a:p>
-        </p:txBody>
-      </p:sp>
-      <p:sp>
-        <p:nvSpPr>
-          <p:cNvPr id="3" name="Content Placeholder 2">
-            <a:extLst>
-              <a:ext uri="{FF2B5EF4-FFF2-40B4-BE49-F238E27FC236}">
-                <a16:creationId xmlns:a16="http://schemas.microsoft.com/office/drawing/2014/main" id="{38C09186-9A3E-4990-ABB9-2486A74BA91C}"/>
-              </a:ext>
-            </a:extLst>
-          </p:cNvPr>
-          <p:cNvSpPr>
-            <a:spLocks noGrp="1"/>
-          </p:cNvSpPr>
-          <p:nvPr>
-            <p:ph idx="1"/>
-          </p:nvPr>
-        </p:nvSpPr>
-        <p:spPr/>
-        <p:txBody>
-          <a:bodyPr/>
-          <a:lstStyle/>
-          <a:p>
-            <a:pPr>
-              <a:buFont typeface="Wingdings" panose="05000000000000000000" pitchFamily="2" charset="2"/>
-              <a:buChar char="§"/>
-            </a:pPr>
-            <a:r>
-              <a:rPr lang="en-US" dirty="0" err="1"/>
-              <a:t>Pearsons</a:t>
-            </a:r>
-            <a:r>
-              <a:rPr lang="en-US" dirty="0"/>
-              <a:t> correlation coefficient</a:t>
-            </a:r>
-          </a:p>
-          <a:p>
-            <a:pPr>
-              <a:buFont typeface="Wingdings" panose="05000000000000000000" pitchFamily="2" charset="2"/>
-              <a:buChar char="§"/>
-            </a:pPr>
-            <a:r>
-              <a:rPr lang="en-US" dirty="0"/>
-              <a:t>estimated reliability via p-value</a:t>
-            </a:r>
-          </a:p>
-          <a:p>
-            <a:pPr>
-              <a:buFont typeface="Wingdings" panose="05000000000000000000" pitchFamily="2" charset="2"/>
-              <a:buChar char="§"/>
-            </a:pPr>
-            <a:r>
-              <a:rPr lang="en-US" dirty="0"/>
-              <a:t>Good correlation with all variables except id</a:t>
-            </a:r>
-          </a:p>
-          <a:p>
-            <a:pPr>
-              <a:buFont typeface="Wingdings" panose="05000000000000000000" pitchFamily="2" charset="2"/>
-              <a:buChar char="§"/>
-            </a:pPr>
-            <a:r>
-              <a:rPr lang="en-US" dirty="0"/>
-              <a:t>Used cleaned data</a:t>
-            </a:r>
-          </a:p>
-        </p:txBody>
-      </p:sp>
-    </p:spTree>
-    <p:extLst>
-      <p:ext uri="{BB962C8B-B14F-4D97-AF65-F5344CB8AC3E}">
-        <p14:creationId xmlns:p14="http://schemas.microsoft.com/office/powerpoint/2010/main" val="3542481850"/>
-      </p:ext>
-    </p:extLst>
-  </p:cSld>
-  <p:clrMapOvr>
-    <a:masterClrMapping/>
-  </p:clrMapOvr>
-</p:sld>
-</file>
-
 <file path=ppt/slides/slide17.xml><?xml version="1.0" encoding="utf-8"?>
 <p:sld xmlns:a="http://schemas.openxmlformats.org/drawingml/2006/main" xmlns:r="http://schemas.openxmlformats.org/officeDocument/2006/relationships" xmlns:p="http://schemas.openxmlformats.org/presentationml/2006/main">
   <p:cSld>
@@ -8604,6 +8664,130 @@
           <p:cNvPr id="2" name="Title 1">
             <a:extLst>
               <a:ext uri="{FF2B5EF4-FFF2-40B4-BE49-F238E27FC236}">
+                <a16:creationId xmlns:a16="http://schemas.microsoft.com/office/drawing/2014/main" id="{70366522-0C19-46C0-B0C7-25FF67153752}"/>
+              </a:ext>
+            </a:extLst>
+          </p:cNvPr>
+          <p:cNvSpPr>
+            <a:spLocks noGrp="1"/>
+          </p:cNvSpPr>
+          <p:nvPr>
+            <p:ph type="title"/>
+          </p:nvPr>
+        </p:nvSpPr>
+        <p:spPr/>
+        <p:txBody>
+          <a:bodyPr/>
+          <a:lstStyle/>
+          <a:p>
+            <a:r>
+              <a:rPr lang="en-US" dirty="0"/>
+              <a:t>Correlation</a:t>
+            </a:r>
+          </a:p>
+        </p:txBody>
+      </p:sp>
+      <p:sp>
+        <p:nvSpPr>
+          <p:cNvPr id="3" name="Content Placeholder 2">
+            <a:extLst>
+              <a:ext uri="{FF2B5EF4-FFF2-40B4-BE49-F238E27FC236}">
+                <a16:creationId xmlns:a16="http://schemas.microsoft.com/office/drawing/2014/main" id="{38C09186-9A3E-4990-ABB9-2486A74BA91C}"/>
+              </a:ext>
+            </a:extLst>
+          </p:cNvPr>
+          <p:cNvSpPr>
+            <a:spLocks noGrp="1"/>
+          </p:cNvSpPr>
+          <p:nvPr>
+            <p:ph idx="1"/>
+          </p:nvPr>
+        </p:nvSpPr>
+        <p:spPr/>
+        <p:txBody>
+          <a:bodyPr/>
+          <a:lstStyle/>
+          <a:p>
+            <a:pPr>
+              <a:buFont typeface="Wingdings" panose="05000000000000000000" pitchFamily="2" charset="2"/>
+              <a:buChar char="§"/>
+            </a:pPr>
+            <a:r>
+              <a:rPr lang="en-US" dirty="0" err="1"/>
+              <a:t>Pearsons</a:t>
+            </a:r>
+            <a:r>
+              <a:rPr lang="en-US" dirty="0"/>
+              <a:t> correlation coefficient</a:t>
+            </a:r>
+          </a:p>
+          <a:p>
+            <a:pPr>
+              <a:buFont typeface="Wingdings" panose="05000000000000000000" pitchFamily="2" charset="2"/>
+              <a:buChar char="§"/>
+            </a:pPr>
+            <a:r>
+              <a:rPr lang="en-US" dirty="0"/>
+              <a:t>estimated reliability via p-value</a:t>
+            </a:r>
+          </a:p>
+          <a:p>
+            <a:pPr>
+              <a:buFont typeface="Wingdings" panose="05000000000000000000" pitchFamily="2" charset="2"/>
+              <a:buChar char="§"/>
+            </a:pPr>
+            <a:r>
+              <a:rPr lang="en-US" dirty="0"/>
+              <a:t>Good correlation with all variables except id</a:t>
+            </a:r>
+          </a:p>
+          <a:p>
+            <a:pPr>
+              <a:buFont typeface="Wingdings" panose="05000000000000000000" pitchFamily="2" charset="2"/>
+              <a:buChar char="§"/>
+            </a:pPr>
+            <a:r>
+              <a:rPr lang="en-US" dirty="0"/>
+              <a:t>Used cleaned data</a:t>
+            </a:r>
+          </a:p>
+        </p:txBody>
+      </p:sp>
+    </p:spTree>
+    <p:extLst>
+      <p:ext uri="{BB962C8B-B14F-4D97-AF65-F5344CB8AC3E}">
+        <p14:creationId xmlns:p14="http://schemas.microsoft.com/office/powerpoint/2010/main" val="3542481850"/>
+      </p:ext>
+    </p:extLst>
+  </p:cSld>
+  <p:clrMapOvr>
+    <a:masterClrMapping/>
+  </p:clrMapOvr>
+</p:sld>
+</file>
+
+<file path=ppt/slides/slide18.xml><?xml version="1.0" encoding="utf-8"?>
+<p:sld xmlns:a="http://schemas.openxmlformats.org/drawingml/2006/main" xmlns:r="http://schemas.openxmlformats.org/officeDocument/2006/relationships" xmlns:p="http://schemas.openxmlformats.org/presentationml/2006/main">
+  <p:cSld>
+    <p:spTree>
+      <p:nvGrpSpPr>
+        <p:cNvPr id="1" name=""/>
+        <p:cNvGrpSpPr/>
+        <p:nvPr/>
+      </p:nvGrpSpPr>
+      <p:grpSpPr>
+        <a:xfrm>
+          <a:off x="0" y="0"/>
+          <a:ext cx="0" cy="0"/>
+          <a:chOff x="0" y="0"/>
+          <a:chExt cx="0" cy="0"/>
+        </a:xfrm>
+      </p:grpSpPr>
+      <p:sp>
+        <p:nvSpPr>
+          <p:cNvPr id="2" name="Title 1">
+            <a:extLst>
+              <a:ext uri="{FF2B5EF4-FFF2-40B4-BE49-F238E27FC236}">
                 <a16:creationId xmlns:a16="http://schemas.microsoft.com/office/drawing/2014/main" id="{E1A2277C-F481-4858-8D59-1ACB6CEA572B}"/>
               </a:ext>
             </a:extLst>
@@ -8615,7 +8799,12 @@
             <p:ph type="title"/>
           </p:nvPr>
         </p:nvSpPr>
-        <p:spPr/>
+        <p:spPr>
+          <a:xfrm>
+            <a:off x="913774" y="374829"/>
+            <a:ext cx="10364451" cy="872591"/>
+          </a:xfrm>
+        </p:spPr>
         <p:txBody>
           <a:bodyPr/>
           <a:lstStyle/>
@@ -8643,14 +8832,14 @@
             <p:ph idx="1"/>
             <p:extLst>
               <p:ext uri="{D42A27DB-BD31-4B8C-83A1-F6EECF244321}">
-                <p14:modId xmlns:p14="http://schemas.microsoft.com/office/powerpoint/2010/main" val="3610609064"/>
+                <p14:modId xmlns:p14="http://schemas.microsoft.com/office/powerpoint/2010/main" val="1722227243"/>
               </p:ext>
             </p:extLst>
           </p:nvPr>
         </p:nvGraphicFramePr>
         <p:xfrm>
-          <a:off x="0" y="2070340"/>
-          <a:ext cx="11970325" cy="4502986"/>
+          <a:off x="0" y="1247420"/>
+          <a:ext cx="11970325" cy="5325906"/>
         </p:xfrm>
         <a:graphic>
           <a:graphicData uri="http://schemas.openxmlformats.org/drawingml/2006/table">
@@ -8721,14 +8910,14 @@
                   </a:extLst>
                 </a:gridCol>
               </a:tblGrid>
-              <a:tr h="738037">
+              <a:tr h="872913">
                 <a:tc>
                   <a:txBody>
                     <a:bodyPr/>
                     <a:lstStyle/>
                     <a:p>
                       <a:pPr algn="r" fontAlgn="ctr"/>
-                      <a:endParaRPr lang="en-US" sz="1800" b="1">
+                      <a:endParaRPr lang="en-US" sz="1800" b="1" dirty="0">
                         <a:effectLst/>
                       </a:endParaRPr>
                     </a:p>
@@ -8754,7 +8943,7 @@
                     <a:lstStyle/>
                     <a:p>
                       <a:pPr algn="r" fontAlgn="ctr"/>
-                      <a:endParaRPr lang="en-US" sz="1800" b="1">
+                      <a:endParaRPr lang="en-US" sz="1800" b="1" dirty="0">
                         <a:effectLst/>
                       </a:endParaRPr>
                     </a:p>
@@ -8983,7 +9172,7 @@
                   </a:ext>
                 </a:extLst>
               </a:tr>
-              <a:tr h="2214676">
+              <a:tr h="2619408">
                 <a:tc>
                   <a:txBody>
                     <a:bodyPr/>
@@ -8991,7 +9180,7 @@
                     <a:p>
                       <a:pPr algn="r" fontAlgn="ctr"/>
                       <a:r>
-                        <a:rPr lang="en-US" sz="1800" b="1">
+                        <a:rPr lang="en-US" sz="2000" b="1" dirty="0">
                           <a:effectLst/>
                         </a:rPr>
                         <a:t>0</a:t>
@@ -9023,7 +9212,7 @@
                     <a:p>
                       <a:pPr algn="r" fontAlgn="ctr"/>
                       <a:r>
-                        <a:rPr lang="en-US" sz="1800" dirty="0">
+                        <a:rPr lang="en-US" sz="2000" dirty="0">
                           <a:effectLst/>
                         </a:rPr>
                         <a:t>r</a:t>
@@ -9055,7 +9244,7 @@
                     <a:p>
                       <a:pPr algn="r" fontAlgn="ctr"/>
                       <a:r>
-                        <a:rPr lang="en-US" sz="1800">
+                        <a:rPr lang="en-US" sz="2000" dirty="0">
                           <a:effectLst/>
                         </a:rPr>
                         <a:t>5.415849e-01</a:t>
@@ -9087,7 +9276,7 @@
                     <a:p>
                       <a:pPr algn="r" fontAlgn="ctr"/>
                       <a:r>
-                        <a:rPr lang="en-US" sz="1800">
+                        <a:rPr lang="en-US" sz="2000" dirty="0">
                           <a:effectLst/>
                         </a:rPr>
                         <a:t>2.552905e-01</a:t>
@@ -9119,7 +9308,7 @@
                     <a:p>
                       <a:pPr algn="r" fontAlgn="ctr"/>
                       <a:r>
-                        <a:rPr lang="en-US" sz="1800">
+                        <a:rPr lang="en-US" sz="2000" dirty="0">
                           <a:effectLst/>
                         </a:rPr>
                         <a:t>-0.082446</a:t>
@@ -9151,7 +9340,7 @@
                     <a:p>
                       <a:pPr algn="r" fontAlgn="ctr"/>
                       <a:r>
-                        <a:rPr lang="en-US" sz="1800" dirty="0">
+                        <a:rPr lang="en-US" sz="2000" dirty="0">
                           <a:effectLst/>
                         </a:rPr>
                         <a:t>0.083151</a:t>
@@ -9183,7 +9372,7 @@
                     <a:p>
                       <a:pPr algn="r" fontAlgn="ctr"/>
                       <a:r>
-                        <a:rPr lang="en-US" sz="1800">
+                        <a:rPr lang="en-US" sz="2000" dirty="0">
                           <a:effectLst/>
                         </a:rPr>
                         <a:t>-3.355489e-01</a:t>
@@ -9215,7 +9404,7 @@
                     <a:p>
                       <a:pPr algn="r" fontAlgn="ctr"/>
                       <a:r>
-                        <a:rPr lang="en-US" sz="1800">
+                        <a:rPr lang="en-US" sz="2000" dirty="0">
                           <a:effectLst/>
                         </a:rPr>
                         <a:t>-0.034040</a:t>
@@ -9247,7 +9436,7 @@
                     <a:p>
                       <a:pPr algn="r" fontAlgn="ctr"/>
                       <a:r>
-                        <a:rPr lang="en-US" sz="1800">
+                        <a:rPr lang="en-US" sz="2000">
                           <a:effectLst/>
                         </a:rPr>
                         <a:t>0.108669</a:t>
@@ -9278,7 +9467,7 @@
                   </a:ext>
                 </a:extLst>
               </a:tr>
-              <a:tr h="1550273">
+              <a:tr h="1833585">
                 <a:tc>
                   <a:txBody>
                     <a:bodyPr/>
@@ -9286,7 +9475,7 @@
                     <a:p>
                       <a:pPr algn="r" fontAlgn="ctr"/>
                       <a:r>
-                        <a:rPr lang="en-US" sz="1800" b="1">
+                        <a:rPr lang="en-US" sz="2000" b="1">
                           <a:effectLst/>
                         </a:rPr>
                         <a:t>1</a:t>
@@ -9315,7 +9504,7 @@
                     <a:p>
                       <a:pPr algn="r" fontAlgn="ctr"/>
                       <a:r>
-                        <a:rPr lang="en-US" sz="1800">
+                        <a:rPr lang="en-US" sz="2000">
                           <a:effectLst/>
                         </a:rPr>
                         <a:t>p</a:t>
@@ -9344,7 +9533,7 @@
                     <a:p>
                       <a:pPr algn="r" fontAlgn="ctr"/>
                       <a:r>
-                        <a:rPr lang="en-US" sz="1800">
+                        <a:rPr lang="en-US" sz="2000">
                           <a:effectLst/>
                         </a:rPr>
                         <a:t>6.682012e-69</a:t>
@@ -9373,7 +9562,7 @@
                     <a:p>
                       <a:pPr algn="r" fontAlgn="ctr"/>
                       <a:r>
-                        <a:rPr lang="en-US" sz="1800">
+                        <a:rPr lang="en-US" sz="2000">
                           <a:effectLst/>
                         </a:rPr>
                         <a:t>1.079789e-14</a:t>
@@ -9402,7 +9591,7 @@
                     <a:p>
                       <a:pPr algn="r" fontAlgn="ctr"/>
                       <a:r>
-                        <a:rPr lang="en-US" sz="1800">
+                        <a:rPr lang="en-US" sz="2000" dirty="0">
                           <a:effectLst/>
                         </a:rPr>
                         <a:t>0.013934</a:t>
@@ -9431,7 +9620,7 @@
                     <a:p>
                       <a:pPr algn="r" fontAlgn="ctr"/>
                       <a:r>
-                        <a:rPr lang="en-US" sz="1800">
+                        <a:rPr lang="en-US" sz="2000" dirty="0">
                           <a:effectLst/>
                         </a:rPr>
                         <a:t>0.013137</a:t>
@@ -9460,7 +9649,7 @@
                     <a:p>
                       <a:pPr algn="r" fontAlgn="ctr"/>
                       <a:r>
-                        <a:rPr lang="en-US" sz="1800">
+                        <a:rPr lang="en-US" sz="2000">
                           <a:effectLst/>
                         </a:rPr>
                         <a:t>7.776916e-25</a:t>
@@ -9489,7 +9678,7 @@
                     <a:p>
                       <a:pPr algn="r" fontAlgn="ctr"/>
                       <a:r>
-                        <a:rPr lang="en-US" sz="1800">
+                        <a:rPr lang="en-US" sz="2000" dirty="0">
                           <a:effectLst/>
                         </a:rPr>
                         <a:t>0.310675</a:t>
@@ -9518,7 +9707,7 @@
                     <a:p>
                       <a:pPr algn="r" fontAlgn="ctr"/>
                       <a:r>
-                        <a:rPr lang="en-US" sz="1800" dirty="0">
+                        <a:rPr lang="en-US" sz="2000" dirty="0">
                           <a:effectLst/>
                         </a:rPr>
                         <a:t>0.001174</a:t>
@@ -9566,8 +9755,8 @@
         </p:nvSpPr>
         <p:spPr bwMode="auto">
           <a:xfrm>
-            <a:off x="-1075762" y="-63000"/>
-            <a:ext cx="14082732" cy="584775"/>
+            <a:off x="0" y="82442"/>
+            <a:ext cx="12192000" cy="584775"/>
           </a:xfrm>
           <a:prstGeom prst="rect">
             <a:avLst/>
@@ -9755,7 +9944,7 @@
               <a:defRPr/>
             </a:pPr>
             <a:r>
-              <a:rPr kumimoji="0" lang="en-US" altLang="en-US" sz="1000" b="0" i="0" u="none" strike="noStrike" kern="1200" cap="none" spc="0" normalizeH="0" baseline="0" noProof="0">
+              <a:rPr kumimoji="0" lang="en-US" altLang="en-US" sz="1000" b="0" i="0" u="none" strike="noStrike" kern="1200" cap="none" spc="0" normalizeH="0" baseline="0" noProof="0" dirty="0">
                 <a:ln>
                   <a:noFill/>
                 </a:ln>
@@ -9771,7 +9960,7 @@
               </a:rPr>
               <a:t>Correlations: </a:t>
             </a:r>
-            <a:endParaRPr kumimoji="0" lang="en-US" altLang="en-US" sz="1100" b="0" i="0" u="none" strike="noStrike" kern="1200" cap="none" spc="0" normalizeH="0" baseline="0" noProof="0">
+            <a:endParaRPr kumimoji="0" lang="en-US" altLang="en-US" sz="1100" b="0" i="0" u="none" strike="noStrike" kern="1200" cap="none" spc="0" normalizeH="0" baseline="0" noProof="0" dirty="0">
               <a:ln>
                 <a:noFill/>
               </a:ln>
@@ -9805,7 +9994,7 @@
               <a:defRPr/>
             </a:pPr>
             <a:r>
-              <a:rPr kumimoji="0" lang="en-US" altLang="en-US" sz="1000" b="0" i="0" u="none" strike="noStrike" kern="1200" cap="none" spc="0" normalizeH="0" baseline="0" noProof="0">
+              <a:rPr kumimoji="0" lang="en-US" altLang="en-US" sz="1000" b="0" i="0" u="none" strike="noStrike" kern="1200" cap="none" spc="0" normalizeH="0" baseline="0" noProof="0" dirty="0">
                 <a:ln>
                   <a:noFill/>
                 </a:ln>
@@ -9821,7 +10010,7 @@
               </a:rPr>
               <a:t>Out[32]:</a:t>
             </a:r>
-            <a:endParaRPr kumimoji="0" lang="en-US" altLang="en-US" sz="1000" b="0" i="0" u="none" strike="noStrike" kern="1200" cap="none" spc="0" normalizeH="0" baseline="0" noProof="0">
+            <a:endParaRPr kumimoji="0" lang="en-US" altLang="en-US" sz="1000" b="0" i="0" u="none" strike="noStrike" kern="1200" cap="none" spc="0" normalizeH="0" baseline="0" noProof="0" dirty="0">
               <a:ln>
                 <a:noFill/>
               </a:ln>
@@ -9854,7 +10043,7 @@
               <a:tabLst/>
               <a:defRPr/>
             </a:pPr>
-            <a:endParaRPr kumimoji="0" lang="en-US" altLang="en-US" sz="1800" b="0" i="0" u="none" strike="noStrike" kern="1200" cap="none" spc="0" normalizeH="0" baseline="0" noProof="0">
+            <a:endParaRPr kumimoji="0" lang="en-US" altLang="en-US" sz="1800" b="0" i="0" u="none" strike="noStrike" kern="1200" cap="none" spc="0" normalizeH="0" baseline="0" noProof="0" dirty="0">
               <a:ln>
                 <a:noFill/>
               </a:ln>
@@ -9875,124 +10064,6 @@
     <p:extLst>
       <p:ext uri="{BB962C8B-B14F-4D97-AF65-F5344CB8AC3E}">
         <p14:creationId xmlns:p14="http://schemas.microsoft.com/office/powerpoint/2010/main" val="2673324145"/>
-      </p:ext>
-    </p:extLst>
-  </p:cSld>
-  <p:clrMapOvr>
-    <a:masterClrMapping/>
-  </p:clrMapOvr>
-</p:sld>
-</file>
-
-<file path=ppt/slides/slide18.xml><?xml version="1.0" encoding="utf-8"?>
-<p:sld xmlns:a="http://schemas.openxmlformats.org/drawingml/2006/main" xmlns:r="http://schemas.openxmlformats.org/officeDocument/2006/relationships" xmlns:p="http://schemas.openxmlformats.org/presentationml/2006/main">
-  <p:cSld>
-    <p:spTree>
-      <p:nvGrpSpPr>
-        <p:cNvPr id="1" name=""/>
-        <p:cNvGrpSpPr/>
-        <p:nvPr/>
-      </p:nvGrpSpPr>
-      <p:grpSpPr>
-        <a:xfrm>
-          <a:off x="0" y="0"/>
-          <a:ext cx="0" cy="0"/>
-          <a:chOff x="0" y="0"/>
-          <a:chExt cx="0" cy="0"/>
-        </a:xfrm>
-      </p:grpSpPr>
-      <p:sp>
-        <p:nvSpPr>
-          <p:cNvPr id="2" name="Title 1">
-            <a:extLst>
-              <a:ext uri="{FF2B5EF4-FFF2-40B4-BE49-F238E27FC236}">
-                <a16:creationId xmlns:a16="http://schemas.microsoft.com/office/drawing/2014/main" id="{E57C8F37-B423-4186-819E-7CD1D0F99911}"/>
-              </a:ext>
-            </a:extLst>
-          </p:cNvPr>
-          <p:cNvSpPr>
-            <a:spLocks noGrp="1"/>
-          </p:cNvSpPr>
-          <p:nvPr>
-            <p:ph type="title"/>
-          </p:nvPr>
-        </p:nvSpPr>
-        <p:spPr/>
-        <p:txBody>
-          <a:bodyPr/>
-          <a:lstStyle/>
-          <a:p>
-            <a:r>
-              <a:rPr lang="en-US" dirty="0"/>
-              <a:t>Logistic regression</a:t>
-            </a:r>
-          </a:p>
-        </p:txBody>
-      </p:sp>
-      <p:sp>
-        <p:nvSpPr>
-          <p:cNvPr id="3" name="Content Placeholder 2">
-            <a:extLst>
-              <a:ext uri="{FF2B5EF4-FFF2-40B4-BE49-F238E27FC236}">
-                <a16:creationId xmlns:a16="http://schemas.microsoft.com/office/drawing/2014/main" id="{3140F76E-3A76-4EC8-B2FD-7D909C2A1019}"/>
-              </a:ext>
-            </a:extLst>
-          </p:cNvPr>
-          <p:cNvSpPr>
-            <a:spLocks noGrp="1"/>
-          </p:cNvSpPr>
-          <p:nvPr>
-            <p:ph idx="1"/>
-          </p:nvPr>
-        </p:nvSpPr>
-        <p:spPr/>
-        <p:txBody>
-          <a:bodyPr/>
-          <a:lstStyle/>
-          <a:p>
-            <a:pPr>
-              <a:buFont typeface="Wingdings" panose="05000000000000000000" pitchFamily="2" charset="2"/>
-              <a:buChar char="§"/>
-            </a:pPr>
-            <a:r>
-              <a:rPr lang="en-US" cap="none" dirty="0"/>
-              <a:t>We ran a logistic regression on the data using the </a:t>
-            </a:r>
-            <a:r>
-              <a:rPr lang="en-US" cap="none" dirty="0" err="1"/>
-              <a:t>sklearn</a:t>
-            </a:r>
-            <a:r>
-              <a:rPr lang="en-US" cap="none" dirty="0"/>
-              <a:t> library</a:t>
-            </a:r>
-          </a:p>
-          <a:p>
-            <a:pPr>
-              <a:buFont typeface="Wingdings" panose="05000000000000000000" pitchFamily="2" charset="2"/>
-              <a:buChar char="§"/>
-            </a:pPr>
-            <a:r>
-              <a:rPr lang="en-US" cap="none" dirty="0"/>
-              <a:t>The accuracy of the regression was. 80.54</a:t>
-            </a:r>
-          </a:p>
-          <a:p>
-            <a:pPr>
-              <a:buFont typeface="Wingdings" panose="05000000000000000000" pitchFamily="2" charset="2"/>
-              <a:buChar char="§"/>
-            </a:pPr>
-            <a:r>
-              <a:rPr lang="en-US" cap="none" dirty="0"/>
-              <a:t>We generated a prediction array for the data without survivors – approximately 400 passengers</a:t>
-            </a:r>
-          </a:p>
-        </p:txBody>
-      </p:sp>
-    </p:spTree>
-    <p:extLst>
-      <p:ext uri="{BB962C8B-B14F-4D97-AF65-F5344CB8AC3E}">
-        <p14:creationId xmlns:p14="http://schemas.microsoft.com/office/powerpoint/2010/main" val="1082115967"/>
       </p:ext>
     </p:extLst>
   </p:cSld>
@@ -10024,7 +10095,7 @@
           <p:cNvPr id="2" name="Title 1">
             <a:extLst>
               <a:ext uri="{FF2B5EF4-FFF2-40B4-BE49-F238E27FC236}">
-                <a16:creationId xmlns:a16="http://schemas.microsoft.com/office/drawing/2014/main" id="{A2FDBD18-A413-4C4D-A4AD-9C1B4969B730}"/>
+                <a16:creationId xmlns:a16="http://schemas.microsoft.com/office/drawing/2014/main" id="{E57C8F37-B423-4186-819E-7CD1D0F99911}"/>
               </a:ext>
             </a:extLst>
           </p:cNvPr>
@@ -10042,7 +10113,7 @@
           <a:p>
             <a:r>
               <a:rPr lang="en-US" dirty="0"/>
-              <a:t>Lessons Learnt and Conclusion</a:t>
+              <a:t>Logistic regression</a:t>
             </a:r>
           </a:p>
         </p:txBody>
@@ -10052,7 +10123,7 @@
           <p:cNvPr id="3" name="Content Placeholder 2">
             <a:extLst>
               <a:ext uri="{FF2B5EF4-FFF2-40B4-BE49-F238E27FC236}">
-                <a16:creationId xmlns:a16="http://schemas.microsoft.com/office/drawing/2014/main" id="{0318C8F7-65A4-4580-BB2B-1CD765D8467B}"/>
+                <a16:creationId xmlns:a16="http://schemas.microsoft.com/office/drawing/2014/main" id="{3140F76E-3A76-4EC8-B2FD-7D909C2A1019}"/>
               </a:ext>
             </a:extLst>
           </p:cNvPr>
@@ -10063,14 +10134,11 @@
             <p:ph idx="1"/>
           </p:nvPr>
         </p:nvSpPr>
-        <p:spPr>
-          <a:xfrm>
-            <a:off x="0" y="2214695"/>
-            <a:ext cx="10861288" cy="4643306"/>
-          </a:xfrm>
-        </p:spPr>
-        <p:txBody>
-          <a:bodyPr/>
+        <p:spPr/>
+        <p:txBody>
+          <a:bodyPr>
+            <a:normAutofit/>
+          </a:bodyPr>
           <a:lstStyle/>
           <a:p>
             <a:pPr>
@@ -10078,8 +10146,16 @@
               <a:buChar char="§"/>
             </a:pPr>
             <a:r>
-              <a:rPr lang="en-US" dirty="0"/>
-              <a:t>We can predict survival given the information given!</a:t>
+              <a:rPr lang="en-US" sz="2400" cap="none" dirty="0"/>
+              <a:t>We ran a logistic regression on the data using the </a:t>
+            </a:r>
+            <a:r>
+              <a:rPr lang="en-US" sz="2400" cap="none" dirty="0" err="1"/>
+              <a:t>sklearn</a:t>
+            </a:r>
+            <a:r>
+              <a:rPr lang="en-US" sz="2400" cap="none" dirty="0"/>
+              <a:t> library</a:t>
             </a:r>
           </a:p>
           <a:p>
@@ -10088,8 +10164,8 @@
               <a:buChar char="§"/>
             </a:pPr>
             <a:r>
-              <a:rPr lang="en-US" dirty="0"/>
-              <a:t>Performed various criteria analysis, to achieve at the reliable criteria</a:t>
+              <a:rPr lang="en-US" sz="2400" cap="none" dirty="0"/>
+              <a:t>The accuracy of the regression was. 80.54</a:t>
             </a:r>
           </a:p>
           <a:p>
@@ -10098,8 +10174,16 @@
               <a:buChar char="§"/>
             </a:pPr>
             <a:r>
-              <a:rPr lang="en-US" dirty="0"/>
-              <a:t>Used Mean method to fill in the missing ages</a:t>
+              <a:rPr lang="en-US" sz="2400" cap="none" dirty="0"/>
+              <a:t>We generated a prediction for the data without survivor data – approximately 400 passengers, </a:t>
+            </a:r>
+            <a:r>
+              <a:rPr lang="en-US" sz="2400" cap="none" dirty="0" err="1"/>
+              <a:t>ie</a:t>
+            </a:r>
+            <a:r>
+              <a:rPr lang="en-US" sz="2400" cap="none" dirty="0"/>
+              <a:t> survivor data for this</a:t>
             </a:r>
           </a:p>
           <a:p>
@@ -10108,49 +10192,28 @@
               <a:buChar char="§"/>
             </a:pPr>
             <a:r>
-              <a:rPr lang="en-US" dirty="0"/>
-              <a:t>We used several prediction algorithms in python </a:t>
-            </a:r>
-          </a:p>
-          <a:p>
-            <a:pPr>
-              <a:buFont typeface="Wingdings" panose="05000000000000000000" pitchFamily="2" charset="2"/>
-              <a:buChar char="§"/>
+              <a:rPr lang="en-US" sz="2400" cap="none" dirty="0"/>
+              <a:t>We also generated cross-validation data for the above model</a:t>
+            </a:r>
+          </a:p>
+          <a:p>
+            <a:pPr marL="0" indent="0">
+              <a:buNone/>
             </a:pPr>
-            <a:r>
-              <a:rPr lang="en-US" dirty="0"/>
-              <a:t>According to Pearson Correlation and our plots, there is significance in most of the fields that we were given</a:t>
-            </a:r>
-          </a:p>
-          <a:p>
-            <a:pPr>
-              <a:buFont typeface="Wingdings" panose="05000000000000000000" pitchFamily="2" charset="2"/>
-              <a:buChar char="§"/>
+            <a:endParaRPr lang="en-US" sz="2400" cap="none" dirty="0"/>
+          </a:p>
+          <a:p>
+            <a:pPr marL="0" indent="0">
+              <a:buNone/>
             </a:pPr>
-            <a:r>
-              <a:rPr lang="en-US" dirty="0"/>
-              <a:t>We can predict the contribution of factors via regression analysis</a:t>
-            </a:r>
-          </a:p>
-          <a:p>
-            <a:pPr>
-              <a:buFont typeface="Wingdings" panose="05000000000000000000" pitchFamily="2" charset="2"/>
-              <a:buChar char="§"/>
-            </a:pPr>
-            <a:r>
-              <a:rPr lang="en-US" dirty="0"/>
-              <a:t>Due to the fact that our dependent variable is binary, it is necessary to use logistic regression</a:t>
-            </a:r>
-          </a:p>
-          <a:p>
-            <a:endParaRPr lang="en-US" dirty="0"/>
+            <a:endParaRPr lang="en-US" sz="2400" cap="none" dirty="0"/>
           </a:p>
         </p:txBody>
       </p:sp>
     </p:spTree>
     <p:extLst>
       <p:ext uri="{BB962C8B-B14F-4D97-AF65-F5344CB8AC3E}">
-        <p14:creationId xmlns:p14="http://schemas.microsoft.com/office/powerpoint/2010/main" val="2696845978"/>
+        <p14:creationId xmlns:p14="http://schemas.microsoft.com/office/powerpoint/2010/main" val="1082115967"/>
       </p:ext>
     </p:extLst>
   </p:cSld>
@@ -10625,6 +10688,164 @@
           <p:cNvPr id="2" name="Title 1">
             <a:extLst>
               <a:ext uri="{FF2B5EF4-FFF2-40B4-BE49-F238E27FC236}">
+                <a16:creationId xmlns:a16="http://schemas.microsoft.com/office/drawing/2014/main" id="{A2FDBD18-A413-4C4D-A4AD-9C1B4969B730}"/>
+              </a:ext>
+            </a:extLst>
+          </p:cNvPr>
+          <p:cNvSpPr>
+            <a:spLocks noGrp="1"/>
+          </p:cNvSpPr>
+          <p:nvPr>
+            <p:ph type="title"/>
+          </p:nvPr>
+        </p:nvSpPr>
+        <p:spPr/>
+        <p:txBody>
+          <a:bodyPr/>
+          <a:lstStyle/>
+          <a:p>
+            <a:r>
+              <a:rPr lang="en-US" dirty="0"/>
+              <a:t>Lessons Learnt and Conclusion</a:t>
+            </a:r>
+          </a:p>
+        </p:txBody>
+      </p:sp>
+      <p:sp>
+        <p:nvSpPr>
+          <p:cNvPr id="3" name="Content Placeholder 2">
+            <a:extLst>
+              <a:ext uri="{FF2B5EF4-FFF2-40B4-BE49-F238E27FC236}">
+                <a16:creationId xmlns:a16="http://schemas.microsoft.com/office/drawing/2014/main" id="{0318C8F7-65A4-4580-BB2B-1CD765D8467B}"/>
+              </a:ext>
+            </a:extLst>
+          </p:cNvPr>
+          <p:cNvSpPr>
+            <a:spLocks noGrp="1"/>
+          </p:cNvSpPr>
+          <p:nvPr>
+            <p:ph idx="1"/>
+          </p:nvPr>
+        </p:nvSpPr>
+        <p:spPr>
+          <a:xfrm>
+            <a:off x="0" y="2214695"/>
+            <a:ext cx="10861288" cy="4643306"/>
+          </a:xfrm>
+        </p:spPr>
+        <p:txBody>
+          <a:bodyPr/>
+          <a:lstStyle/>
+          <a:p>
+            <a:pPr>
+              <a:buFont typeface="Wingdings" panose="05000000000000000000" pitchFamily="2" charset="2"/>
+              <a:buChar char="§"/>
+            </a:pPr>
+            <a:r>
+              <a:rPr lang="en-US" dirty="0"/>
+              <a:t>We can predict survival given the information given!</a:t>
+            </a:r>
+          </a:p>
+          <a:p>
+            <a:pPr>
+              <a:buFont typeface="Wingdings" panose="05000000000000000000" pitchFamily="2" charset="2"/>
+              <a:buChar char="§"/>
+            </a:pPr>
+            <a:r>
+              <a:rPr lang="en-US" dirty="0"/>
+              <a:t>Performed various criteria analysis, to achieve at the reliable criteria</a:t>
+            </a:r>
+          </a:p>
+          <a:p>
+            <a:pPr>
+              <a:buFont typeface="Wingdings" panose="05000000000000000000" pitchFamily="2" charset="2"/>
+              <a:buChar char="§"/>
+            </a:pPr>
+            <a:r>
+              <a:rPr lang="en-US" dirty="0"/>
+              <a:t>Used Mean method to fill in the missing ages</a:t>
+            </a:r>
+          </a:p>
+          <a:p>
+            <a:pPr>
+              <a:buFont typeface="Wingdings" panose="05000000000000000000" pitchFamily="2" charset="2"/>
+              <a:buChar char="§"/>
+            </a:pPr>
+            <a:r>
+              <a:rPr lang="en-US" dirty="0"/>
+              <a:t>We used several prediction algorithms in python </a:t>
+            </a:r>
+          </a:p>
+          <a:p>
+            <a:pPr>
+              <a:buFont typeface="Wingdings" panose="05000000000000000000" pitchFamily="2" charset="2"/>
+              <a:buChar char="§"/>
+            </a:pPr>
+            <a:r>
+              <a:rPr lang="en-US" dirty="0"/>
+              <a:t>According to Pearson Correlation and our plots, there is significance in most of the fields that we were given</a:t>
+            </a:r>
+          </a:p>
+          <a:p>
+            <a:pPr>
+              <a:buFont typeface="Wingdings" panose="05000000000000000000" pitchFamily="2" charset="2"/>
+              <a:buChar char="§"/>
+            </a:pPr>
+            <a:r>
+              <a:rPr lang="en-US" dirty="0"/>
+              <a:t>We can predict the contribution of factors via regression analysis</a:t>
+            </a:r>
+          </a:p>
+          <a:p>
+            <a:pPr>
+              <a:buFont typeface="Wingdings" panose="05000000000000000000" pitchFamily="2" charset="2"/>
+              <a:buChar char="§"/>
+            </a:pPr>
+            <a:r>
+              <a:rPr lang="en-US" dirty="0"/>
+              <a:t>Due to the fact that our dependent variable is binary, it is necessary to use logistic regression</a:t>
+            </a:r>
+          </a:p>
+          <a:p>
+            <a:endParaRPr lang="en-US" dirty="0"/>
+          </a:p>
+        </p:txBody>
+      </p:sp>
+    </p:spTree>
+    <p:extLst>
+      <p:ext uri="{BB962C8B-B14F-4D97-AF65-F5344CB8AC3E}">
+        <p14:creationId xmlns:p14="http://schemas.microsoft.com/office/powerpoint/2010/main" val="2696845978"/>
+      </p:ext>
+    </p:extLst>
+  </p:cSld>
+  <p:clrMapOvr>
+    <a:masterClrMapping/>
+  </p:clrMapOvr>
+</p:sld>
+</file>
+
+<file path=ppt/slides/slide21.xml><?xml version="1.0" encoding="utf-8"?>
+<p:sld xmlns:a="http://schemas.openxmlformats.org/drawingml/2006/main" xmlns:r="http://schemas.openxmlformats.org/officeDocument/2006/relationships" xmlns:p="http://schemas.openxmlformats.org/presentationml/2006/main">
+  <p:cSld>
+    <p:spTree>
+      <p:nvGrpSpPr>
+        <p:cNvPr id="1" name=""/>
+        <p:cNvGrpSpPr/>
+        <p:nvPr/>
+      </p:nvGrpSpPr>
+      <p:grpSpPr>
+        <a:xfrm>
+          <a:off x="0" y="0"/>
+          <a:ext cx="0" cy="0"/>
+          <a:chOff x="0" y="0"/>
+          <a:chExt cx="0" cy="0"/>
+        </a:xfrm>
+      </p:grpSpPr>
+      <p:sp>
+        <p:nvSpPr>
+          <p:cNvPr id="2" name="Title 1">
+            <a:extLst>
+              <a:ext uri="{FF2B5EF4-FFF2-40B4-BE49-F238E27FC236}">
                 <a16:creationId xmlns:a16="http://schemas.microsoft.com/office/drawing/2014/main" id="{2740188C-CF3D-44ED-80AC-AD70FC206560}"/>
               </a:ext>
             </a:extLst>
@@ -10687,7 +10908,7 @@
             </a:pPr>
             <a:r>
               <a:rPr lang="en-US" dirty="0"/>
-              <a:t>Different Ways to Evaluate Data – all should be used in order to find the best Model – this can be used to find the best model:</a:t>
+              <a:t>There are Different Ways to Evaluate Data – all should be used in order to find the best Model.</a:t>
             </a:r>
           </a:p>
           <a:p>
@@ -10749,7 +10970,7 @@
 </p:sld>
 </file>
 
-<file path=ppt/slides/slide21.xml><?xml version="1.0" encoding="utf-8"?>
+<file path=ppt/slides/slide22.xml><?xml version="1.0" encoding="utf-8"?>
 <p:sld xmlns:a="http://schemas.openxmlformats.org/drawingml/2006/main" xmlns:r="http://schemas.openxmlformats.org/officeDocument/2006/relationships" xmlns:p="http://schemas.openxmlformats.org/presentationml/2006/main">
   <p:cSld>
     <p:spTree>
@@ -11355,7 +11576,7 @@
                   <a:schemeClr val="tx1"/>
                 </a:solidFill>
               </a:rPr>
-              <a:t>KaaGle</a:t>
+              <a:t>KagGle</a:t>
             </a:r>
             <a:r>
               <a:rPr lang="en-US" dirty="0">
@@ -11380,7 +11601,7 @@
                   </a:extLst>
                 </a:hlinkClick>
               </a:rPr>
-              <a:t>https://www.kaagle.com/c/titanic</a:t>
+              <a:t>https://www.kaggle.com/c/titanic</a:t>
             </a:r>
             <a:endParaRPr lang="en-US" dirty="0">
               <a:solidFill>
@@ -11512,6 +11733,189 @@
 </file>
 
 <file path=ppt/slides/slide5.xml><?xml version="1.0" encoding="utf-8"?>
+<p:sld xmlns:a="http://schemas.openxmlformats.org/drawingml/2006/main" xmlns:r="http://schemas.openxmlformats.org/officeDocument/2006/relationships" xmlns:p="http://schemas.openxmlformats.org/presentationml/2006/main">
+  <p:cSld>
+    <p:spTree>
+      <p:nvGrpSpPr>
+        <p:cNvPr id="1" name=""/>
+        <p:cNvGrpSpPr/>
+        <p:nvPr/>
+      </p:nvGrpSpPr>
+      <p:grpSpPr>
+        <a:xfrm>
+          <a:off x="0" y="0"/>
+          <a:ext cx="0" cy="0"/>
+          <a:chOff x="0" y="0"/>
+          <a:chExt cx="0" cy="0"/>
+        </a:xfrm>
+      </p:grpSpPr>
+      <p:sp>
+        <p:nvSpPr>
+          <p:cNvPr id="2" name="Title 1">
+            <a:extLst>
+              <a:ext uri="{FF2B5EF4-FFF2-40B4-BE49-F238E27FC236}">
+                <a16:creationId xmlns:a16="http://schemas.microsoft.com/office/drawing/2014/main" id="{EBC77808-9DC4-49CA-9BC9-7FF9799678DA}"/>
+              </a:ext>
+            </a:extLst>
+          </p:cNvPr>
+          <p:cNvSpPr>
+            <a:spLocks noGrp="1"/>
+          </p:cNvSpPr>
+          <p:nvPr>
+            <p:ph type="title"/>
+          </p:nvPr>
+        </p:nvSpPr>
+        <p:spPr/>
+        <p:txBody>
+          <a:bodyPr/>
+          <a:lstStyle/>
+          <a:p>
+            <a:r>
+              <a:rPr lang="en-US" dirty="0"/>
+              <a:t>Data problems</a:t>
+            </a:r>
+          </a:p>
+        </p:txBody>
+      </p:sp>
+      <p:sp>
+        <p:nvSpPr>
+          <p:cNvPr id="3" name="Content Placeholder 2">
+            <a:extLst>
+              <a:ext uri="{FF2B5EF4-FFF2-40B4-BE49-F238E27FC236}">
+                <a16:creationId xmlns:a16="http://schemas.microsoft.com/office/drawing/2014/main" id="{6C329B81-A752-40A3-AE3A-4877FD82C14F}"/>
+              </a:ext>
+            </a:extLst>
+          </p:cNvPr>
+          <p:cNvSpPr>
+            <a:spLocks noGrp="1"/>
+          </p:cNvSpPr>
+          <p:nvPr>
+            <p:ph sz="quarter" idx="13"/>
+          </p:nvPr>
+        </p:nvSpPr>
+        <p:spPr/>
+        <p:txBody>
+          <a:bodyPr>
+            <a:noAutofit/>
+          </a:bodyPr>
+          <a:lstStyle/>
+          <a:p>
+            <a:pPr marL="0" indent="0">
+              <a:buNone/>
+            </a:pPr>
+            <a:r>
+              <a:rPr lang="en-US" sz="1800" dirty="0"/>
+              <a:t>The Data had missing input in fields:</a:t>
+            </a:r>
+          </a:p>
+          <a:p>
+            <a:pPr marL="0" indent="0">
+              <a:buNone/>
+            </a:pPr>
+            <a:r>
+              <a:rPr lang="en-US" sz="1800" dirty="0"/>
+              <a:t>           There were 1309 passengers in total</a:t>
+            </a:r>
+          </a:p>
+          <a:p>
+            <a:pPr marL="0" indent="0">
+              <a:buNone/>
+            </a:pPr>
+            <a:r>
+              <a:rPr lang="en-US" sz="1800" dirty="0"/>
+              <a:t>	Cabin was missing in 1015 items</a:t>
+            </a:r>
+          </a:p>
+          <a:p>
+            <a:pPr marL="0" indent="0">
+              <a:buNone/>
+            </a:pPr>
+            <a:r>
+              <a:rPr lang="en-US" sz="1800" dirty="0"/>
+              <a:t>	Age was missing in 246 items</a:t>
+            </a:r>
+          </a:p>
+          <a:p>
+            <a:pPr marL="0" indent="0">
+              <a:buNone/>
+            </a:pPr>
+            <a:r>
+              <a:rPr lang="en-US" sz="1800" dirty="0"/>
+              <a:t>	Embarked Location in 2 items</a:t>
+            </a:r>
+          </a:p>
+          <a:p>
+            <a:pPr marL="0" indent="0">
+              <a:buNone/>
+            </a:pPr>
+            <a:r>
+              <a:rPr lang="en-US" sz="1800" dirty="0"/>
+              <a:t>	Fare in 1 item</a:t>
+            </a:r>
+          </a:p>
+          <a:p>
+            <a:pPr marL="0" indent="0">
+              <a:buNone/>
+            </a:pPr>
+            <a:r>
+              <a:rPr lang="en-US" sz="1800" dirty="0"/>
+              <a:t>Disposition:</a:t>
+            </a:r>
+          </a:p>
+          <a:p>
+            <a:pPr marL="0" indent="0">
+              <a:buNone/>
+            </a:pPr>
+            <a:r>
+              <a:rPr lang="en-US" sz="1800" dirty="0"/>
+              <a:t>  	Cabin dropped</a:t>
+            </a:r>
+          </a:p>
+          <a:p>
+            <a:pPr marL="0" indent="0">
+              <a:buNone/>
+            </a:pPr>
+            <a:r>
+              <a:rPr lang="en-US" sz="1800" dirty="0"/>
+              <a:t>	Age filled with mean for given sex and age</a:t>
+            </a:r>
+          </a:p>
+          <a:p>
+            <a:pPr marL="0" indent="0">
+              <a:buNone/>
+            </a:pPr>
+            <a:r>
+              <a:rPr lang="en-US" sz="1800" dirty="0"/>
+              <a:t>	</a:t>
+            </a:r>
+            <a:r>
+              <a:rPr lang="en-US" sz="1800" dirty="0" err="1"/>
+              <a:t>Embarcation</a:t>
+            </a:r>
+            <a:r>
+              <a:rPr lang="en-US" sz="1800" dirty="0"/>
+              <a:t> and Fare missing recs dropped            </a:t>
+            </a:r>
+          </a:p>
+          <a:p>
+            <a:endParaRPr lang="en-US" sz="1800" dirty="0"/>
+          </a:p>
+        </p:txBody>
+      </p:sp>
+    </p:spTree>
+    <p:extLst>
+      <p:ext uri="{BB962C8B-B14F-4D97-AF65-F5344CB8AC3E}">
+        <p14:creationId xmlns:p14="http://schemas.microsoft.com/office/powerpoint/2010/main" val="1680317064"/>
+      </p:ext>
+    </p:extLst>
+  </p:cSld>
+  <p:clrMapOvr>
+    <a:masterClrMapping/>
+  </p:clrMapOvr>
+</p:sld>
+</file>
+
+<file path=ppt/slides/slide6.xml><?xml version="1.0" encoding="utf-8"?>
 <p:sld xmlns:a="http://schemas.openxmlformats.org/drawingml/2006/main" xmlns:r="http://schemas.openxmlformats.org/officeDocument/2006/relationships" xmlns:p="http://schemas.openxmlformats.org/presentationml/2006/main">
   <p:cSld>
     <p:spTree>
@@ -12104,7 +12508,7 @@
 </p:sld>
 </file>
 
-<file path=ppt/slides/slide6.xml><?xml version="1.0" encoding="utf-8"?>
+<file path=ppt/slides/slide7.xml><?xml version="1.0" encoding="utf-8"?>
 <p:sld xmlns:a="http://schemas.openxmlformats.org/drawingml/2006/main" xmlns:r="http://schemas.openxmlformats.org/officeDocument/2006/relationships" xmlns:p="http://schemas.openxmlformats.org/presentationml/2006/main">
   <p:cSld>
     <p:spTree>
@@ -12287,7 +12691,7 @@
 </p:sld>
 </file>
 
-<file path=ppt/slides/slide7.xml><?xml version="1.0" encoding="utf-8"?>
+<file path=ppt/slides/slide8.xml><?xml version="1.0" encoding="utf-8"?>
 <p:sld xmlns:a="http://schemas.openxmlformats.org/drawingml/2006/main" xmlns:r="http://schemas.openxmlformats.org/officeDocument/2006/relationships" xmlns:p="http://schemas.openxmlformats.org/presentationml/2006/main">
   <p:cSld>
     <p:spTree>
@@ -12453,7 +12857,7 @@
 </p:sld>
 </file>
 
-<file path=ppt/slides/slide8.xml><?xml version="1.0" encoding="utf-8"?>
+<file path=ppt/slides/slide9.xml><?xml version="1.0" encoding="utf-8"?>
 <p:sld xmlns:a="http://schemas.openxmlformats.org/drawingml/2006/main" xmlns:r="http://schemas.openxmlformats.org/officeDocument/2006/relationships" xmlns:p="http://schemas.openxmlformats.org/presentationml/2006/main">
   <p:cSld>
     <p:spTree>
@@ -12610,188 +13014,6 @@
     <p:extLst>
       <p:ext uri="{BB962C8B-B14F-4D97-AF65-F5344CB8AC3E}">
         <p14:creationId xmlns:p14="http://schemas.microsoft.com/office/powerpoint/2010/main" val="817171194"/>
-      </p:ext>
-    </p:extLst>
-  </p:cSld>
-  <p:clrMapOvr>
-    <a:masterClrMapping/>
-  </p:clrMapOvr>
-</p:sld>
-</file>
-
-<file path=ppt/slides/slide9.xml><?xml version="1.0" encoding="utf-8"?>
-<p:sld xmlns:a="http://schemas.openxmlformats.org/drawingml/2006/main" xmlns:r="http://schemas.openxmlformats.org/officeDocument/2006/relationships" xmlns:p="http://schemas.openxmlformats.org/presentationml/2006/main">
-  <p:cSld>
-    <p:spTree>
-      <p:nvGrpSpPr>
-        <p:cNvPr id="1" name=""/>
-        <p:cNvGrpSpPr/>
-        <p:nvPr/>
-      </p:nvGrpSpPr>
-      <p:grpSpPr>
-        <a:xfrm>
-          <a:off x="0" y="0"/>
-          <a:ext cx="0" cy="0"/>
-          <a:chOff x="0" y="0"/>
-          <a:chExt cx="0" cy="0"/>
-        </a:xfrm>
-      </p:grpSpPr>
-      <p:sp>
-        <p:nvSpPr>
-          <p:cNvPr id="2" name="Title 1">
-            <a:extLst>
-              <a:ext uri="{FF2B5EF4-FFF2-40B4-BE49-F238E27FC236}">
-                <a16:creationId xmlns:a16="http://schemas.microsoft.com/office/drawing/2014/main" id="{15B752D6-C077-4B79-A6D4-BD62E37D7BBB}"/>
-              </a:ext>
-            </a:extLst>
-          </p:cNvPr>
-          <p:cNvSpPr>
-            <a:spLocks noGrp="1"/>
-          </p:cNvSpPr>
-          <p:nvPr>
-            <p:ph type="title"/>
-          </p:nvPr>
-        </p:nvSpPr>
-        <p:spPr/>
-        <p:txBody>
-          <a:bodyPr/>
-          <a:lstStyle/>
-          <a:p>
-            <a:r>
-              <a:rPr lang="en-US" dirty="0"/>
-              <a:t>2. Fare Analysis</a:t>
-            </a:r>
-            <a:br>
-              <a:rPr lang="en-US" dirty="0"/>
-            </a:br>
-            <a:r>
-              <a:rPr lang="en-US" dirty="0"/>
-              <a:t>Survival Per Age Group Depending on Fare</a:t>
-            </a:r>
-          </a:p>
-        </p:txBody>
-      </p:sp>
-      <p:sp>
-        <p:nvSpPr>
-          <p:cNvPr id="3" name="Content Placeholder 2">
-            <a:extLst>
-              <a:ext uri="{FF2B5EF4-FFF2-40B4-BE49-F238E27FC236}">
-                <a16:creationId xmlns:a16="http://schemas.microsoft.com/office/drawing/2014/main" id="{5040AA0C-4B89-42EB-A81F-0B1F58B38780}"/>
-              </a:ext>
-            </a:extLst>
-          </p:cNvPr>
-          <p:cNvSpPr>
-            <a:spLocks noGrp="1"/>
-          </p:cNvSpPr>
-          <p:nvPr>
-            <p:ph idx="1"/>
-          </p:nvPr>
-        </p:nvSpPr>
-        <p:spPr>
-          <a:xfrm>
-            <a:off x="913775" y="2367093"/>
-            <a:ext cx="4484943" cy="3424107"/>
-          </a:xfrm>
-        </p:spPr>
-        <p:txBody>
-          <a:bodyPr/>
-          <a:lstStyle/>
-          <a:p>
-            <a:r>
-              <a:rPr lang="en-US" dirty="0"/>
-              <a:t>Red- Dead</a:t>
-            </a:r>
-          </a:p>
-          <a:p>
-            <a:r>
-              <a:rPr lang="en-US" dirty="0"/>
-              <a:t>Green- Survived</a:t>
-            </a:r>
-          </a:p>
-          <a:p>
-            <a:r>
-              <a:rPr lang="en-US" dirty="0"/>
-              <a:t>Bigger Circle- More Price</a:t>
-            </a:r>
-          </a:p>
-          <a:p>
-            <a:r>
-              <a:rPr lang="en-US" dirty="0"/>
-              <a:t>More Price Better chance of Survival, highest fare group is between 30-40, only 2.</a:t>
-            </a:r>
-          </a:p>
-        </p:txBody>
-      </p:sp>
-      <p:pic>
-        <p:nvPicPr>
-          <p:cNvPr id="6" name="Picture 5">
-            <a:extLst>
-              <a:ext uri="{FF2B5EF4-FFF2-40B4-BE49-F238E27FC236}">
-                <a16:creationId xmlns:a16="http://schemas.microsoft.com/office/drawing/2014/main" id="{63274513-CE96-4ED7-92B2-7C9322B5D01B}"/>
-              </a:ext>
-            </a:extLst>
-          </p:cNvPr>
-          <p:cNvPicPr>
-            <a:picLocks noChangeAspect="1"/>
-          </p:cNvPicPr>
-          <p:nvPr/>
-        </p:nvPicPr>
-        <p:blipFill>
-          <a:blip r:embed="rId2">
-            <a:extLst>
-              <a:ext uri="{28A0092B-C50C-407E-A947-70E740481C1C}">
-                <a14:useLocalDpi xmlns:a14="http://schemas.microsoft.com/office/drawing/2010/main" val="0"/>
-              </a:ext>
-            </a:extLst>
-          </a:blip>
-          <a:stretch>
-            <a:fillRect/>
-          </a:stretch>
-        </p:blipFill>
-        <p:spPr>
-          <a:xfrm>
-            <a:off x="5077326" y="2139234"/>
-            <a:ext cx="6609457" cy="4424404"/>
-          </a:xfrm>
-          <a:prstGeom prst="rect">
-            <a:avLst/>
-          </a:prstGeom>
-          <a:solidFill>
-            <a:srgbClr val="FFFFFF">
-              <a:shade val="85000"/>
-            </a:srgbClr>
-          </a:solidFill>
-          <a:ln w="88900" cap="sq">
-            <a:solidFill>
-              <a:srgbClr val="FFFFFF"/>
-            </a:solidFill>
-            <a:miter lim="800000"/>
-          </a:ln>
-          <a:effectLst>
-            <a:outerShdw blurRad="55000" dist="18000" dir="5400000" algn="tl" rotWithShape="0">
-              <a:srgbClr val="000000">
-                <a:alpha val="40000"/>
-              </a:srgbClr>
-            </a:outerShdw>
-          </a:effectLst>
-          <a:scene3d>
-            <a:camera prst="orthographicFront"/>
-            <a:lightRig rig="twoPt" dir="t">
-              <a:rot lat="0" lon="0" rev="7200000"/>
-            </a:lightRig>
-          </a:scene3d>
-          <a:sp3d>
-            <a:bevelT w="25400" h="19050"/>
-            <a:contourClr>
-              <a:srgbClr val="FFFFFF"/>
-            </a:contourClr>
-          </a:sp3d>
-        </p:spPr>
-      </p:pic>
-    </p:spTree>
-    <p:extLst>
-      <p:ext uri="{BB962C8B-B14F-4D97-AF65-F5344CB8AC3E}">
-        <p14:creationId xmlns:p14="http://schemas.microsoft.com/office/powerpoint/2010/main" val="3556598133"/>
       </p:ext>
     </p:extLst>
   </p:cSld>
